--- a/DE Term Project/DE_TermProject2_Presentation.pptx
+++ b/DE Term Project/DE_TermProject2_Presentation.pptx
@@ -2,16 +2,21 @@
 <file path=ppt/presentation.xml><?xml version="1.0" encoding="utf-8"?>
 <p:presentation xmlns:a="http://schemas.openxmlformats.org/drawingml/2006/main" xmlns:r="http://schemas.openxmlformats.org/officeDocument/2006/relationships" xmlns:p="http://schemas.openxmlformats.org/presentationml/2006/main" saveSubsetFonts="1" autoCompressPictures="0">
   <p:sldMasterIdLst>
-    <p:sldMasterId id="2147483867" r:id="rId1"/>
+    <p:sldMasterId id="2147483903" r:id="rId1"/>
   </p:sldMasterIdLst>
+  <p:notesMasterIdLst>
+    <p:notesMasterId r:id="rId11"/>
+  </p:notesMasterIdLst>
   <p:sldIdLst>
     <p:sldId id="256" r:id="rId2"/>
     <p:sldId id="257" r:id="rId3"/>
-    <p:sldId id="260" r:id="rId4"/>
-    <p:sldId id="259" r:id="rId5"/>
-    <p:sldId id="261" r:id="rId6"/>
+    <p:sldId id="261" r:id="rId4"/>
+    <p:sldId id="260" r:id="rId5"/>
+    <p:sldId id="259" r:id="rId6"/>
     <p:sldId id="258" r:id="rId7"/>
     <p:sldId id="262" r:id="rId8"/>
+    <p:sldId id="263" r:id="rId9"/>
+    <p:sldId id="264" r:id="rId10"/>
   </p:sldIdLst>
   <p:sldSz cx="12192000" cy="6858000"/>
   <p:notesSz cx="6858000" cy="9144000"/>
@@ -110,6 +115,11 @@
       </a:defRPr>
     </a:lvl9pPr>
   </p:defaultTextStyle>
+  <p:extLst>
+    <p:ext uri="{EFAFB233-063F-42B5-8137-9DF3F51BA10A}">
+      <p15:sldGuideLst xmlns:p15="http://schemas.microsoft.com/office/powerpoint/2012/main"/>
+    </p:ext>
+  </p:extLst>
 </p:presentation>
 </file>
 
@@ -1633,7 +1643,7 @@
           </a:pPr>
           <a:r>
             <a:rPr lang="en-US" sz="2000" b="1" dirty="0"/>
-            <a:t>Analysis question:</a:t>
+            <a:t>Research question:</a:t>
           </a:r>
         </a:p>
         <a:p>
@@ -1646,19 +1656,23 @@
           <a:pPr>
             <a:buNone/>
           </a:pPr>
-          <a:endParaRPr lang="en-US" sz="2000" b="1" dirty="0"/>
+          <a:endParaRPr lang="en-US" sz="1800" b="1" dirty="0"/>
         </a:p>
         <a:p>
           <a:pPr>
             <a:buNone/>
           </a:pPr>
           <a:r>
-            <a:rPr lang="en-US" sz="2000" b="1" dirty="0"/>
+            <a:rPr lang="en-US" sz="1800" b="1" dirty="0"/>
             <a:t> </a:t>
           </a:r>
           <a:r>
+            <a:rPr lang="en-US" sz="1800" b="0" dirty="0"/>
+            <a:t>Exploring the a</a:t>
+          </a:r>
+          <a:r>
             <a:rPr lang="en-US" sz="1800" dirty="0"/>
-            <a:t>Association pattern between GDP per capita, unemployment rates, population and suicide rates</a:t>
+            <a:t>ssociation between suicides rates and the GDP per capita as well as the unemployment rate in a country</a:t>
           </a:r>
         </a:p>
       </dgm:t>
@@ -1695,7 +1709,7 @@
           <a:pPr algn="ctr"/>
           <a:r>
             <a:rPr lang="en-US" sz="2000" b="1" dirty="0"/>
-            <a:t>Collection of data from two sources:</a:t>
+            <a:t>Extraction of data from two sources:</a:t>
           </a:r>
         </a:p>
         <a:p>
@@ -1721,9 +1735,24 @@
                 </a:extLst>
               </a:hlinkClick>
             </a:rPr>
-            <a:t>1) World Health Organisation</a:t>
+            <a:t>1) </a:t>
           </a:r>
-          <a:endParaRPr lang="en-US" sz="1800" dirty="0">
+          <a:r>
+            <a:rPr lang="en-US" sz="1800" u="none" dirty="0">
+              <a:solidFill>
+                <a:schemeClr val="bg1"/>
+              </a:solidFill>
+              <a:hlinkClick xmlns:r="http://schemas.openxmlformats.org/officeDocument/2006/relationships" r:id="rId1">
+                <a:extLst>
+                  <a:ext uri="{A12FA001-AC4F-418D-AE19-62706E023703}">
+                    <ahyp:hlinkClr xmlns:ahyp="http://schemas.microsoft.com/office/drawing/2018/hyperlinkcolor" val="tx"/>
+                  </a:ext>
+                </a:extLst>
+              </a:hlinkClick>
+            </a:rPr>
+            <a:t>World Health Organisation</a:t>
+          </a:r>
+          <a:endParaRPr lang="en-US" sz="1800" u="none" dirty="0">
             <a:solidFill>
               <a:schemeClr val="bg1"/>
             </a:solidFill>
@@ -1829,7 +1858,7 @@
           </a:pPr>
           <a:r>
             <a:rPr lang="en-US" sz="1800" dirty="0"/>
-            <a:t>2. API in </a:t>
+            <a:t>3. API in </a:t>
           </a:r>
           <a:r>
             <a:rPr lang="en-US" sz="1800" dirty="0" err="1"/>
@@ -1871,6 +1900,24 @@
           <a:r>
             <a:rPr lang="en-US" sz="2000" b="1" dirty="0"/>
             <a:t>Results:</a:t>
+          </a:r>
+        </a:p>
+        <a:p>
+          <a:r>
+            <a:rPr lang="en-US" sz="1800" b="0" dirty="0"/>
+            <a:t>1. Correlation</a:t>
+          </a:r>
+        </a:p>
+        <a:p>
+          <a:r>
+            <a:rPr lang="en-US" sz="1800" b="0" dirty="0"/>
+            <a:t>2. Regressions</a:t>
+          </a:r>
+        </a:p>
+        <a:p>
+          <a:r>
+            <a:rPr lang="en-US" sz="1800" b="0" dirty="0"/>
+            <a:t>3. Scatterplots</a:t>
           </a:r>
         </a:p>
       </dgm:t>
@@ -1966,9 +2013,9 @@
   <dgm:cxnLst>
     <dgm:cxn modelId="{B9647512-1A5C-3D4F-B45C-AEDFF187A34D}" type="presOf" srcId="{26030C1E-CA21-FA4F-A497-097465F0E258}" destId="{F707047C-D177-604E-8160-29534F6FEB11}" srcOrd="0" destOrd="0" presId="urn:microsoft.com/office/officeart/2005/8/layout/process1"/>
     <dgm:cxn modelId="{E503D925-E73B-DF44-B2A1-28D5ADEC1152}" type="presOf" srcId="{9C8AAEEF-A87F-AB4F-B68D-30E6EA0D4068}" destId="{D900D960-EDFE-1D49-BE80-4F7A25FC7A1D}" srcOrd="0" destOrd="0" presId="urn:microsoft.com/office/officeart/2005/8/layout/process1"/>
+    <dgm:cxn modelId="{4CF8575E-AB8D-F948-B397-41331C970191}" type="presOf" srcId="{FDBBA0EB-069B-8F45-BBD9-0D1541EF0EA9}" destId="{0BC49BEA-6F32-2740-AE6C-06F44861BE8F}" srcOrd="0" destOrd="0" presId="urn:microsoft.com/office/officeart/2005/8/layout/process1"/>
     <dgm:cxn modelId="{D1D24F44-2DA5-6343-9399-4025F253B6AD}" srcId="{269657E6-F65B-6F4C-9579-A20714A159FF}" destId="{26030C1E-CA21-FA4F-A497-097465F0E258}" srcOrd="0" destOrd="0" parTransId="{491A5F64-26F1-E04A-B5DD-1D66042E91A1}" sibTransId="{FDBBA0EB-069B-8F45-BBD9-0D1541EF0EA9}"/>
     <dgm:cxn modelId="{58B2D656-FA82-384C-8B9C-DE9E3010E034}" type="presOf" srcId="{D3143B03-674A-1945-9399-8218CD78D856}" destId="{1F047A59-D4D1-4248-A3D9-6AA8ADCC00E0}" srcOrd="0" destOrd="0" presId="urn:microsoft.com/office/officeart/2005/8/layout/process1"/>
-    <dgm:cxn modelId="{4CF8575E-AB8D-F948-B397-41331C970191}" type="presOf" srcId="{FDBBA0EB-069B-8F45-BBD9-0D1541EF0EA9}" destId="{0BC49BEA-6F32-2740-AE6C-06F44861BE8F}" srcOrd="0" destOrd="0" presId="urn:microsoft.com/office/officeart/2005/8/layout/process1"/>
     <dgm:cxn modelId="{2E3C3C79-89D7-E349-BAFC-E63564D480D6}" type="presOf" srcId="{3589A70F-CBE4-7E46-8F7C-833CCBCD9BAB}" destId="{46FE47B3-184E-E942-9A48-B01961ECEB72}" srcOrd="0" destOrd="0" presId="urn:microsoft.com/office/officeart/2005/8/layout/process1"/>
     <dgm:cxn modelId="{6DEF8679-3AEE-1246-9B23-2B81D41EA7D3}" type="presOf" srcId="{BA2C96C7-8163-474D-AF30-4E3CE4C55C0D}" destId="{69B0C93B-D3A8-ED46-9CF2-ADAC6312E1B8}" srcOrd="0" destOrd="0" presId="urn:microsoft.com/office/officeart/2005/8/layout/process1"/>
     <dgm:cxn modelId="{CF29F0AA-97F9-614B-B7DE-3F8628B044D1}" type="presOf" srcId="{FDBBA0EB-069B-8F45-BBD9-0D1541EF0EA9}" destId="{36929B73-A09A-904D-9800-5251D207E6C1}" srcOrd="1" destOrd="0" presId="urn:microsoft.com/office/officeart/2005/8/layout/process1"/>
@@ -2442,7 +2489,7 @@
           </a:pPr>
           <a:r>
             <a:rPr lang="en-US" sz="2000" b="1" kern="1200" dirty="0"/>
-            <a:t>Analysis question:</a:t>
+            <a:t>Research question:</a:t>
           </a:r>
         </a:p>
         <a:p>
@@ -2473,7 +2520,7 @@
             </a:spcAft>
             <a:buNone/>
           </a:pPr>
-          <a:endParaRPr lang="en-US" sz="2000" b="1" kern="1200" dirty="0"/>
+          <a:endParaRPr lang="en-US" sz="1800" b="1" kern="1200" dirty="0"/>
         </a:p>
         <a:p>
           <a:pPr marL="0" lvl="0" indent="0" algn="ctr" defTabSz="889000">
@@ -2489,12 +2536,16 @@
             <a:buNone/>
           </a:pPr>
           <a:r>
-            <a:rPr lang="en-US" sz="2000" b="1" kern="1200" dirty="0"/>
+            <a:rPr lang="en-US" sz="1800" b="1" kern="1200" dirty="0"/>
             <a:t> </a:t>
           </a:r>
           <a:r>
+            <a:rPr lang="en-US" sz="1800" b="0" kern="1200" dirty="0"/>
+            <a:t>Exploring the a</a:t>
+          </a:r>
+          <a:r>
             <a:rPr lang="en-US" sz="1800" kern="1200" dirty="0"/>
-            <a:t>Association pattern between GDP per capita, unemployment rates, population and suicide rates</a:t>
+            <a:t>ssociation between suicides rates and the GDP per capita as well as the unemployment rate in a country</a:t>
           </a:r>
         </a:p>
       </dsp:txBody>
@@ -2644,7 +2695,7 @@
           </a:pPr>
           <a:r>
             <a:rPr lang="en-US" sz="2000" b="1" kern="1200" dirty="0"/>
-            <a:t>Collection of data from two sources:</a:t>
+            <a:t>Extraction of data from two sources:</a:t>
           </a:r>
         </a:p>
         <a:p>
@@ -2703,9 +2754,24 @@
                 </a:extLst>
               </a:hlinkClick>
             </a:rPr>
-            <a:t>1) World Health Organisation</a:t>
+            <a:t>1) </a:t>
           </a:r>
-          <a:endParaRPr lang="en-US" sz="1800" kern="1200" dirty="0">
+          <a:r>
+            <a:rPr lang="en-US" sz="1800" u="none" kern="1200" dirty="0">
+              <a:solidFill>
+                <a:schemeClr val="bg1"/>
+              </a:solidFill>
+              <a:hlinkClick xmlns:r="http://schemas.openxmlformats.org/officeDocument/2006/relationships" r:id="rId1">
+                <a:extLst>
+                  <a:ext uri="{A12FA001-AC4F-418D-AE19-62706E023703}">
+                    <ahyp:hlinkClr xmlns:ahyp="http://schemas.microsoft.com/office/drawing/2018/hyperlinkcolor" val="tx"/>
+                  </a:ext>
+                </a:extLst>
+              </a:hlinkClick>
+            </a:rPr>
+            <a:t>World Health Organisation</a:t>
+          </a:r>
+          <a:endParaRPr lang="en-US" sz="1800" u="none" kern="1200" dirty="0">
             <a:solidFill>
               <a:schemeClr val="bg1"/>
             </a:solidFill>
@@ -2971,7 +3037,7 @@
           </a:pPr>
           <a:r>
             <a:rPr lang="en-US" sz="1800" kern="1200" dirty="0"/>
-            <a:t>2. API in </a:t>
+            <a:t>3. API in </a:t>
           </a:r>
           <a:r>
             <a:rPr lang="en-US" sz="1800" kern="1200" dirty="0" err="1"/>
@@ -3127,6 +3193,60 @@
           <a:r>
             <a:rPr lang="en-US" sz="2000" b="1" kern="1200" dirty="0"/>
             <a:t>Results:</a:t>
+          </a:r>
+        </a:p>
+        <a:p>
+          <a:pPr marL="0" lvl="0" indent="0" algn="ctr" defTabSz="889000">
+            <a:lnSpc>
+              <a:spcPct val="90000"/>
+            </a:lnSpc>
+            <a:spcBef>
+              <a:spcPct val="0"/>
+            </a:spcBef>
+            <a:spcAft>
+              <a:spcPct val="35000"/>
+            </a:spcAft>
+            <a:buNone/>
+          </a:pPr>
+          <a:r>
+            <a:rPr lang="en-US" sz="1800" b="0" kern="1200" dirty="0"/>
+            <a:t>1. Correlation</a:t>
+          </a:r>
+        </a:p>
+        <a:p>
+          <a:pPr marL="0" lvl="0" indent="0" algn="ctr" defTabSz="889000">
+            <a:lnSpc>
+              <a:spcPct val="90000"/>
+            </a:lnSpc>
+            <a:spcBef>
+              <a:spcPct val="0"/>
+            </a:spcBef>
+            <a:spcAft>
+              <a:spcPct val="35000"/>
+            </a:spcAft>
+            <a:buNone/>
+          </a:pPr>
+          <a:r>
+            <a:rPr lang="en-US" sz="1800" b="0" kern="1200" dirty="0"/>
+            <a:t>2. Regressions</a:t>
+          </a:r>
+        </a:p>
+        <a:p>
+          <a:pPr marL="0" lvl="0" indent="0" algn="ctr" defTabSz="889000">
+            <a:lnSpc>
+              <a:spcPct val="90000"/>
+            </a:lnSpc>
+            <a:spcBef>
+              <a:spcPct val="0"/>
+            </a:spcBef>
+            <a:spcAft>
+              <a:spcPct val="35000"/>
+            </a:spcAft>
+            <a:buNone/>
+          </a:pPr>
+          <a:r>
+            <a:rPr lang="en-US" sz="1800" b="0" kern="1200" dirty="0"/>
+            <a:t>3. Scatterplots</a:t>
           </a:r>
         </a:p>
       </dsp:txBody>
@@ -6232,6 +6352,355 @@
 </dgm:styleDef>
 </file>
 
+<file path=ppt/notesMasters/notesMaster1.xml><?xml version="1.0" encoding="utf-8"?>
+<p:notesMaster xmlns:a="http://schemas.openxmlformats.org/drawingml/2006/main" xmlns:r="http://schemas.openxmlformats.org/officeDocument/2006/relationships" xmlns:p="http://schemas.openxmlformats.org/presentationml/2006/main">
+  <p:cSld>
+    <p:bg>
+      <p:bgRef idx="1001">
+        <a:schemeClr val="bg1"/>
+      </p:bgRef>
+    </p:bg>
+    <p:spTree>
+      <p:nvGrpSpPr>
+        <p:cNvPr id="1" name=""/>
+        <p:cNvGrpSpPr/>
+        <p:nvPr/>
+      </p:nvGrpSpPr>
+      <p:grpSpPr>
+        <a:xfrm>
+          <a:off x="0" y="0"/>
+          <a:ext cx="0" cy="0"/>
+          <a:chOff x="0" y="0"/>
+          <a:chExt cx="0" cy="0"/>
+        </a:xfrm>
+      </p:grpSpPr>
+      <p:sp>
+        <p:nvSpPr>
+          <p:cNvPr id="2" name="Header Placeholder 1"/>
+          <p:cNvSpPr>
+            <a:spLocks noGrp="1"/>
+          </p:cNvSpPr>
+          <p:nvPr>
+            <p:ph type="hdr" sz="quarter"/>
+          </p:nvPr>
+        </p:nvSpPr>
+        <p:spPr>
+          <a:xfrm>
+            <a:off x="0" y="0"/>
+            <a:ext cx="2971800" cy="458788"/>
+          </a:xfrm>
+          <a:prstGeom prst="rect">
+            <a:avLst/>
+          </a:prstGeom>
+        </p:spPr>
+        <p:txBody>
+          <a:bodyPr vert="horz" lIns="91440" tIns="45720" rIns="91440" bIns="45720" rtlCol="0"/>
+          <a:lstStyle>
+            <a:lvl1pPr algn="l">
+              <a:defRPr sz="1200"/>
+            </a:lvl1pPr>
+          </a:lstStyle>
+          <a:p>
+            <a:endParaRPr lang="en-US"/>
+          </a:p>
+        </p:txBody>
+      </p:sp>
+      <p:sp>
+        <p:nvSpPr>
+          <p:cNvPr id="3" name="Date Placeholder 2"/>
+          <p:cNvSpPr>
+            <a:spLocks noGrp="1"/>
+          </p:cNvSpPr>
+          <p:nvPr>
+            <p:ph type="dt" idx="1"/>
+          </p:nvPr>
+        </p:nvSpPr>
+        <p:spPr>
+          <a:xfrm>
+            <a:off x="3884613" y="0"/>
+            <a:ext cx="2971800" cy="458788"/>
+          </a:xfrm>
+          <a:prstGeom prst="rect">
+            <a:avLst/>
+          </a:prstGeom>
+        </p:spPr>
+        <p:txBody>
+          <a:bodyPr vert="horz" lIns="91440" tIns="45720" rIns="91440" bIns="45720" rtlCol="0"/>
+          <a:lstStyle>
+            <a:lvl1pPr algn="r">
+              <a:defRPr sz="1200"/>
+            </a:lvl1pPr>
+          </a:lstStyle>
+          <a:p>
+            <a:fld id="{8A1BC90B-A991-4D3C-BED2-FFB414950DEC}" type="datetimeFigureOut">
+              <a:rPr lang="en-US" smtClean="0"/>
+              <a:t>11/15/2021</a:t>
+            </a:fld>
+            <a:endParaRPr lang="en-US"/>
+          </a:p>
+        </p:txBody>
+      </p:sp>
+      <p:sp>
+        <p:nvSpPr>
+          <p:cNvPr id="4" name="Slide Image Placeholder 3"/>
+          <p:cNvSpPr>
+            <a:spLocks noGrp="1" noRot="1" noChangeAspect="1"/>
+          </p:cNvSpPr>
+          <p:nvPr>
+            <p:ph type="sldImg" idx="2"/>
+          </p:nvPr>
+        </p:nvSpPr>
+        <p:spPr>
+          <a:xfrm>
+            <a:off x="685800" y="1143000"/>
+            <a:ext cx="5486400" cy="3086100"/>
+          </a:xfrm>
+          <a:prstGeom prst="rect">
+            <a:avLst/>
+          </a:prstGeom>
+          <a:noFill/>
+          <a:ln w="12700">
+            <a:solidFill>
+              <a:prstClr val="black"/>
+            </a:solidFill>
+          </a:ln>
+        </p:spPr>
+        <p:txBody>
+          <a:bodyPr vert="horz" lIns="91440" tIns="45720" rIns="91440" bIns="45720" rtlCol="0" anchor="ctr"/>
+          <a:lstStyle/>
+          <a:p>
+            <a:endParaRPr lang="en-US"/>
+          </a:p>
+        </p:txBody>
+      </p:sp>
+      <p:sp>
+        <p:nvSpPr>
+          <p:cNvPr id="5" name="Notes Placeholder 4"/>
+          <p:cNvSpPr>
+            <a:spLocks noGrp="1"/>
+          </p:cNvSpPr>
+          <p:nvPr>
+            <p:ph type="body" sz="quarter" idx="3"/>
+          </p:nvPr>
+        </p:nvSpPr>
+        <p:spPr>
+          <a:xfrm>
+            <a:off x="685800" y="4400550"/>
+            <a:ext cx="5486400" cy="3600450"/>
+          </a:xfrm>
+          <a:prstGeom prst="rect">
+            <a:avLst/>
+          </a:prstGeom>
+        </p:spPr>
+        <p:txBody>
+          <a:bodyPr vert="horz" lIns="91440" tIns="45720" rIns="91440" bIns="45720" rtlCol="0"/>
+          <a:lstStyle/>
+          <a:p>
+            <a:pPr lvl="0"/>
+            <a:r>
+              <a:rPr lang="en-US"/>
+              <a:t>Click to edit Master text styles</a:t>
+            </a:r>
+          </a:p>
+          <a:p>
+            <a:pPr lvl="1"/>
+            <a:r>
+              <a:rPr lang="en-US"/>
+              <a:t>Second level</a:t>
+            </a:r>
+          </a:p>
+          <a:p>
+            <a:pPr lvl="2"/>
+            <a:r>
+              <a:rPr lang="en-US"/>
+              <a:t>Third level</a:t>
+            </a:r>
+          </a:p>
+          <a:p>
+            <a:pPr lvl="3"/>
+            <a:r>
+              <a:rPr lang="en-US"/>
+              <a:t>Fourth level</a:t>
+            </a:r>
+          </a:p>
+          <a:p>
+            <a:pPr lvl="4"/>
+            <a:r>
+              <a:rPr lang="en-US"/>
+              <a:t>Fifth level</a:t>
+            </a:r>
+          </a:p>
+        </p:txBody>
+      </p:sp>
+      <p:sp>
+        <p:nvSpPr>
+          <p:cNvPr id="6" name="Footer Placeholder 5"/>
+          <p:cNvSpPr>
+            <a:spLocks noGrp="1"/>
+          </p:cNvSpPr>
+          <p:nvPr>
+            <p:ph type="ftr" sz="quarter" idx="4"/>
+          </p:nvPr>
+        </p:nvSpPr>
+        <p:spPr>
+          <a:xfrm>
+            <a:off x="0" y="8685213"/>
+            <a:ext cx="2971800" cy="458787"/>
+          </a:xfrm>
+          <a:prstGeom prst="rect">
+            <a:avLst/>
+          </a:prstGeom>
+        </p:spPr>
+        <p:txBody>
+          <a:bodyPr vert="horz" lIns="91440" tIns="45720" rIns="91440" bIns="45720" rtlCol="0" anchor="b"/>
+          <a:lstStyle>
+            <a:lvl1pPr algn="l">
+              <a:defRPr sz="1200"/>
+            </a:lvl1pPr>
+          </a:lstStyle>
+          <a:p>
+            <a:endParaRPr lang="en-US"/>
+          </a:p>
+        </p:txBody>
+      </p:sp>
+      <p:sp>
+        <p:nvSpPr>
+          <p:cNvPr id="7" name="Slide Number Placeholder 6"/>
+          <p:cNvSpPr>
+            <a:spLocks noGrp="1"/>
+          </p:cNvSpPr>
+          <p:nvPr>
+            <p:ph type="sldNum" sz="quarter" idx="5"/>
+          </p:nvPr>
+        </p:nvSpPr>
+        <p:spPr>
+          <a:xfrm>
+            <a:off x="3884613" y="8685213"/>
+            <a:ext cx="2971800" cy="458787"/>
+          </a:xfrm>
+          <a:prstGeom prst="rect">
+            <a:avLst/>
+          </a:prstGeom>
+        </p:spPr>
+        <p:txBody>
+          <a:bodyPr vert="horz" lIns="91440" tIns="45720" rIns="91440" bIns="45720" rtlCol="0" anchor="b"/>
+          <a:lstStyle>
+            <a:lvl1pPr algn="r">
+              <a:defRPr sz="1200"/>
+            </a:lvl1pPr>
+          </a:lstStyle>
+          <a:p>
+            <a:fld id="{F6F485C3-159A-47BA-9C93-87F52CC1DB1E}" type="slidenum">
+              <a:rPr lang="en-US" smtClean="0"/>
+              <a:t>‹#›</a:t>
+            </a:fld>
+            <a:endParaRPr lang="en-US"/>
+          </a:p>
+        </p:txBody>
+      </p:sp>
+    </p:spTree>
+    <p:extLst>
+      <p:ext uri="{BB962C8B-B14F-4D97-AF65-F5344CB8AC3E}">
+        <p14:creationId xmlns:p14="http://schemas.microsoft.com/office/powerpoint/2010/main" val="1021765167"/>
+      </p:ext>
+    </p:extLst>
+  </p:cSld>
+  <p:clrMap bg1="lt1" tx1="dk1" bg2="lt2" tx2="dk2" accent1="accent1" accent2="accent2" accent3="accent3" accent4="accent4" accent5="accent5" accent6="accent6" hlink="hlink" folHlink="folHlink"/>
+  <p:notesStyle>
+    <a:lvl1pPr marL="0" algn="l" defTabSz="914400" rtl="0" eaLnBrk="1" latinLnBrk="0" hangingPunct="1">
+      <a:defRPr sz="1200" kern="1200">
+        <a:solidFill>
+          <a:schemeClr val="tx1"/>
+        </a:solidFill>
+        <a:latin typeface="+mn-lt"/>
+        <a:ea typeface="+mn-ea"/>
+        <a:cs typeface="+mn-cs"/>
+      </a:defRPr>
+    </a:lvl1pPr>
+    <a:lvl2pPr marL="457200" algn="l" defTabSz="914400" rtl="0" eaLnBrk="1" latinLnBrk="0" hangingPunct="1">
+      <a:defRPr sz="1200" kern="1200">
+        <a:solidFill>
+          <a:schemeClr val="tx1"/>
+        </a:solidFill>
+        <a:latin typeface="+mn-lt"/>
+        <a:ea typeface="+mn-ea"/>
+        <a:cs typeface="+mn-cs"/>
+      </a:defRPr>
+    </a:lvl2pPr>
+    <a:lvl3pPr marL="914400" algn="l" defTabSz="914400" rtl="0" eaLnBrk="1" latinLnBrk="0" hangingPunct="1">
+      <a:defRPr sz="1200" kern="1200">
+        <a:solidFill>
+          <a:schemeClr val="tx1"/>
+        </a:solidFill>
+        <a:latin typeface="+mn-lt"/>
+        <a:ea typeface="+mn-ea"/>
+        <a:cs typeface="+mn-cs"/>
+      </a:defRPr>
+    </a:lvl3pPr>
+    <a:lvl4pPr marL="1371600" algn="l" defTabSz="914400" rtl="0" eaLnBrk="1" latinLnBrk="0" hangingPunct="1">
+      <a:defRPr sz="1200" kern="1200">
+        <a:solidFill>
+          <a:schemeClr val="tx1"/>
+        </a:solidFill>
+        <a:latin typeface="+mn-lt"/>
+        <a:ea typeface="+mn-ea"/>
+        <a:cs typeface="+mn-cs"/>
+      </a:defRPr>
+    </a:lvl4pPr>
+    <a:lvl5pPr marL="1828800" algn="l" defTabSz="914400" rtl="0" eaLnBrk="1" latinLnBrk="0" hangingPunct="1">
+      <a:defRPr sz="1200" kern="1200">
+        <a:solidFill>
+          <a:schemeClr val="tx1"/>
+        </a:solidFill>
+        <a:latin typeface="+mn-lt"/>
+        <a:ea typeface="+mn-ea"/>
+        <a:cs typeface="+mn-cs"/>
+      </a:defRPr>
+    </a:lvl5pPr>
+    <a:lvl6pPr marL="2286000" algn="l" defTabSz="914400" rtl="0" eaLnBrk="1" latinLnBrk="0" hangingPunct="1">
+      <a:defRPr sz="1200" kern="1200">
+        <a:solidFill>
+          <a:schemeClr val="tx1"/>
+        </a:solidFill>
+        <a:latin typeface="+mn-lt"/>
+        <a:ea typeface="+mn-ea"/>
+        <a:cs typeface="+mn-cs"/>
+      </a:defRPr>
+    </a:lvl6pPr>
+    <a:lvl7pPr marL="2743200" algn="l" defTabSz="914400" rtl="0" eaLnBrk="1" latinLnBrk="0" hangingPunct="1">
+      <a:defRPr sz="1200" kern="1200">
+        <a:solidFill>
+          <a:schemeClr val="tx1"/>
+        </a:solidFill>
+        <a:latin typeface="+mn-lt"/>
+        <a:ea typeface="+mn-ea"/>
+        <a:cs typeface="+mn-cs"/>
+      </a:defRPr>
+    </a:lvl7pPr>
+    <a:lvl8pPr marL="3200400" algn="l" defTabSz="914400" rtl="0" eaLnBrk="1" latinLnBrk="0" hangingPunct="1">
+      <a:defRPr sz="1200" kern="1200">
+        <a:solidFill>
+          <a:schemeClr val="tx1"/>
+        </a:solidFill>
+        <a:latin typeface="+mn-lt"/>
+        <a:ea typeface="+mn-ea"/>
+        <a:cs typeface="+mn-cs"/>
+      </a:defRPr>
+    </a:lvl8pPr>
+    <a:lvl9pPr marL="3657600" algn="l" defTabSz="914400" rtl="0" eaLnBrk="1" latinLnBrk="0" hangingPunct="1">
+      <a:defRPr sz="1200" kern="1200">
+        <a:solidFill>
+          <a:schemeClr val="tx1"/>
+        </a:solidFill>
+        <a:latin typeface="+mn-lt"/>
+        <a:ea typeface="+mn-ea"/>
+        <a:cs typeface="+mn-cs"/>
+      </a:defRPr>
+    </a:lvl9pPr>
+  </p:notesStyle>
+</p:notesMaster>
+</file>
+
 <file path=ppt/slideLayouts/slideLayout1.xml><?xml version="1.0" encoding="utf-8"?>
 <p:sldLayout xmlns:a="http://schemas.openxmlformats.org/drawingml/2006/main" xmlns:r="http://schemas.openxmlformats.org/officeDocument/2006/relationships" xmlns:p="http://schemas.openxmlformats.org/presentationml/2006/main" type="title" preserve="1">
   <p:cSld name="Title Slide">
@@ -6254,7 +6723,7 @@
           <p:cNvPr id="2" name="Title 1">
             <a:extLst>
               <a:ext uri="{FF2B5EF4-FFF2-40B4-BE49-F238E27FC236}">
-                <a16:creationId xmlns:a16="http://schemas.microsoft.com/office/drawing/2014/main" id="{74530C3C-3617-0140-A310-4F2EE3C0FD4C}"/>
+                <a16:creationId xmlns:a16="http://schemas.microsoft.com/office/drawing/2014/main" id="{B8C6D6A4-3CC7-48F8-AD70-0F46F75C1F49}"/>
               </a:ext>
             </a:extLst>
           </p:cNvPr>
@@ -6291,7 +6760,7 @@
           <p:cNvPr id="3" name="Subtitle 2">
             <a:extLst>
               <a:ext uri="{FF2B5EF4-FFF2-40B4-BE49-F238E27FC236}">
-                <a16:creationId xmlns:a16="http://schemas.microsoft.com/office/drawing/2014/main" id="{14BD8B34-5177-7D49-BA4D-EFE735001611}"/>
+                <a16:creationId xmlns:a16="http://schemas.microsoft.com/office/drawing/2014/main" id="{AF91CF01-E343-44D9-AA93-0C989E7445B4}"/>
               </a:ext>
             </a:extLst>
           </p:cNvPr>
@@ -6361,7 +6830,7 @@
           <p:cNvPr id="4" name="Date Placeholder 3">
             <a:extLst>
               <a:ext uri="{FF2B5EF4-FFF2-40B4-BE49-F238E27FC236}">
-                <a16:creationId xmlns:a16="http://schemas.microsoft.com/office/drawing/2014/main" id="{790239B5-9276-794B-884F-4359A638BF96}"/>
+                <a16:creationId xmlns:a16="http://schemas.microsoft.com/office/drawing/2014/main" id="{6B3B7345-6974-4C8B-9390-B2B98CDE915A}"/>
               </a:ext>
             </a:extLst>
           </p:cNvPr>
@@ -6379,7 +6848,7 @@
           <a:p>
             <a:fld id="{30E324C6-88E5-784F-B796-90A81C75515F}" type="datetimeFigureOut">
               <a:rPr lang="en-US" smtClean="0"/>
-              <a:t>11/15/21</a:t>
+              <a:t>11/15/2021</a:t>
             </a:fld>
             <a:endParaRPr lang="en-US"/>
           </a:p>
@@ -6390,7 +6859,7 @@
           <p:cNvPr id="5" name="Footer Placeholder 4">
             <a:extLst>
               <a:ext uri="{FF2B5EF4-FFF2-40B4-BE49-F238E27FC236}">
-                <a16:creationId xmlns:a16="http://schemas.microsoft.com/office/drawing/2014/main" id="{EE2DA83A-DA2D-AA45-B92A-992C6EE3BDE0}"/>
+                <a16:creationId xmlns:a16="http://schemas.microsoft.com/office/drawing/2014/main" id="{83596312-02CE-47EA-92E4-8F2463B27C75}"/>
               </a:ext>
             </a:extLst>
           </p:cNvPr>
@@ -6415,7 +6884,7 @@
           <p:cNvPr id="6" name="Slide Number Placeholder 5">
             <a:extLst>
               <a:ext uri="{FF2B5EF4-FFF2-40B4-BE49-F238E27FC236}">
-                <a16:creationId xmlns:a16="http://schemas.microsoft.com/office/drawing/2014/main" id="{3F7D4284-3835-8140-BD0B-982E5FECDC3D}"/>
+                <a16:creationId xmlns:a16="http://schemas.microsoft.com/office/drawing/2014/main" id="{3231423D-8644-4D57-95C5-9994E36A3964}"/>
               </a:ext>
             </a:extLst>
           </p:cNvPr>
@@ -6442,7 +6911,7 @@
     </p:spTree>
     <p:extLst>
       <p:ext uri="{BB962C8B-B14F-4D97-AF65-F5344CB8AC3E}">
-        <p14:creationId xmlns:p14="http://schemas.microsoft.com/office/powerpoint/2010/main" val="571828603"/>
+        <p14:creationId xmlns:p14="http://schemas.microsoft.com/office/powerpoint/2010/main" val="165916432"/>
       </p:ext>
     </p:extLst>
   </p:cSld>
@@ -6474,7 +6943,7 @@
           <p:cNvPr id="2" name="Title 1">
             <a:extLst>
               <a:ext uri="{FF2B5EF4-FFF2-40B4-BE49-F238E27FC236}">
-                <a16:creationId xmlns:a16="http://schemas.microsoft.com/office/drawing/2014/main" id="{4611FB7B-BB50-D245-BF22-F802F3761F9F}"/>
+                <a16:creationId xmlns:a16="http://schemas.microsoft.com/office/drawing/2014/main" id="{6588440D-A4E7-4FB1-A7A7-0212F64EE24F}"/>
               </a:ext>
             </a:extLst>
           </p:cNvPr>
@@ -6502,7 +6971,7 @@
           <p:cNvPr id="3" name="Vertical Text Placeholder 2">
             <a:extLst>
               <a:ext uri="{FF2B5EF4-FFF2-40B4-BE49-F238E27FC236}">
-                <a16:creationId xmlns:a16="http://schemas.microsoft.com/office/drawing/2014/main" id="{5E443D0A-C321-A941-A4B4-EDE8F72F7773}"/>
+                <a16:creationId xmlns:a16="http://schemas.microsoft.com/office/drawing/2014/main" id="{528C779F-2E4B-4AE4-BC69-3C92667E5E4C}"/>
               </a:ext>
             </a:extLst>
           </p:cNvPr>
@@ -6521,7 +6990,7 @@
             <a:pPr lvl="0"/>
             <a:r>
               <a:rPr lang="en-US"/>
-              <a:t>Edit Master text styles</a:t>
+              <a:t>Click to edit Master text styles</a:t>
             </a:r>
           </a:p>
           <a:p>
@@ -6559,7 +7028,7 @@
           <p:cNvPr id="4" name="Date Placeholder 3">
             <a:extLst>
               <a:ext uri="{FF2B5EF4-FFF2-40B4-BE49-F238E27FC236}">
-                <a16:creationId xmlns:a16="http://schemas.microsoft.com/office/drawing/2014/main" id="{69A0E965-80C7-F04A-8D9C-F636FE8472A3}"/>
+                <a16:creationId xmlns:a16="http://schemas.microsoft.com/office/drawing/2014/main" id="{7FE0FF64-8B11-4602-9667-CF4F2485D3E4}"/>
               </a:ext>
             </a:extLst>
           </p:cNvPr>
@@ -6577,7 +7046,7 @@
           <a:p>
             <a:fld id="{30E324C6-88E5-784F-B796-90A81C75515F}" type="datetimeFigureOut">
               <a:rPr lang="en-US" smtClean="0"/>
-              <a:t>11/15/21</a:t>
+              <a:t>11/15/2021</a:t>
             </a:fld>
             <a:endParaRPr lang="en-US"/>
           </a:p>
@@ -6588,7 +7057,7 @@
           <p:cNvPr id="5" name="Footer Placeholder 4">
             <a:extLst>
               <a:ext uri="{FF2B5EF4-FFF2-40B4-BE49-F238E27FC236}">
-                <a16:creationId xmlns:a16="http://schemas.microsoft.com/office/drawing/2014/main" id="{AE0D440F-4825-3F44-B3BB-FE79CFAD1489}"/>
+                <a16:creationId xmlns:a16="http://schemas.microsoft.com/office/drawing/2014/main" id="{33A7E718-594C-4DA0-93FD-5B6063530383}"/>
               </a:ext>
             </a:extLst>
           </p:cNvPr>
@@ -6613,7 +7082,7 @@
           <p:cNvPr id="6" name="Slide Number Placeholder 5">
             <a:extLst>
               <a:ext uri="{FF2B5EF4-FFF2-40B4-BE49-F238E27FC236}">
-                <a16:creationId xmlns:a16="http://schemas.microsoft.com/office/drawing/2014/main" id="{0190BD47-108C-1642-85EC-A2EAEC821007}"/>
+                <a16:creationId xmlns:a16="http://schemas.microsoft.com/office/drawing/2014/main" id="{0F32E181-308F-453A-9710-8C50863E9540}"/>
               </a:ext>
             </a:extLst>
           </p:cNvPr>
@@ -6640,7 +7109,7 @@
     </p:spTree>
     <p:extLst>
       <p:ext uri="{BB962C8B-B14F-4D97-AF65-F5344CB8AC3E}">
-        <p14:creationId xmlns:p14="http://schemas.microsoft.com/office/powerpoint/2010/main" val="3169430677"/>
+        <p14:creationId xmlns:p14="http://schemas.microsoft.com/office/powerpoint/2010/main" val="3530828919"/>
       </p:ext>
     </p:extLst>
   </p:cSld>
@@ -6672,7 +7141,7 @@
           <p:cNvPr id="2" name="Vertical Title 1">
             <a:extLst>
               <a:ext uri="{FF2B5EF4-FFF2-40B4-BE49-F238E27FC236}">
-                <a16:creationId xmlns:a16="http://schemas.microsoft.com/office/drawing/2014/main" id="{759EF2CF-5A99-124B-8C7E-011BB9D2D18B}"/>
+                <a16:creationId xmlns:a16="http://schemas.microsoft.com/office/drawing/2014/main" id="{0E00D22A-2D70-4EF5-A20B-49701A40C344}"/>
               </a:ext>
             </a:extLst>
           </p:cNvPr>
@@ -6705,7 +7174,7 @@
           <p:cNvPr id="3" name="Vertical Text Placeholder 2">
             <a:extLst>
               <a:ext uri="{FF2B5EF4-FFF2-40B4-BE49-F238E27FC236}">
-                <a16:creationId xmlns:a16="http://schemas.microsoft.com/office/drawing/2014/main" id="{A770F581-43CB-B041-A494-F6A24DA95F5A}"/>
+                <a16:creationId xmlns:a16="http://schemas.microsoft.com/office/drawing/2014/main" id="{893CCC4B-61E4-4B0D-902A-909AB4CCB84C}"/>
               </a:ext>
             </a:extLst>
           </p:cNvPr>
@@ -6729,7 +7198,7 @@
             <a:pPr lvl="0"/>
             <a:r>
               <a:rPr lang="en-US"/>
-              <a:t>Edit Master text styles</a:t>
+              <a:t>Click to edit Master text styles</a:t>
             </a:r>
           </a:p>
           <a:p>
@@ -6767,7 +7236,7 @@
           <p:cNvPr id="4" name="Date Placeholder 3">
             <a:extLst>
               <a:ext uri="{FF2B5EF4-FFF2-40B4-BE49-F238E27FC236}">
-                <a16:creationId xmlns:a16="http://schemas.microsoft.com/office/drawing/2014/main" id="{DA4BE502-F773-8E47-B676-67A9E282E010}"/>
+                <a16:creationId xmlns:a16="http://schemas.microsoft.com/office/drawing/2014/main" id="{6A03E51C-2A52-41A2-9E8B-37C4DD883BEE}"/>
               </a:ext>
             </a:extLst>
           </p:cNvPr>
@@ -6785,7 +7254,7 @@
           <a:p>
             <a:fld id="{30E324C6-88E5-784F-B796-90A81C75515F}" type="datetimeFigureOut">
               <a:rPr lang="en-US" smtClean="0"/>
-              <a:t>11/15/21</a:t>
+              <a:t>11/15/2021</a:t>
             </a:fld>
             <a:endParaRPr lang="en-US"/>
           </a:p>
@@ -6796,7 +7265,7 @@
           <p:cNvPr id="5" name="Footer Placeholder 4">
             <a:extLst>
               <a:ext uri="{FF2B5EF4-FFF2-40B4-BE49-F238E27FC236}">
-                <a16:creationId xmlns:a16="http://schemas.microsoft.com/office/drawing/2014/main" id="{63FB0CEE-CED7-2241-BAB4-29AF991AD98E}"/>
+                <a16:creationId xmlns:a16="http://schemas.microsoft.com/office/drawing/2014/main" id="{9B56B827-5E81-493F-B5A6-A9F0A3E7A653}"/>
               </a:ext>
             </a:extLst>
           </p:cNvPr>
@@ -6821,7 +7290,7 @@
           <p:cNvPr id="6" name="Slide Number Placeholder 5">
             <a:extLst>
               <a:ext uri="{FF2B5EF4-FFF2-40B4-BE49-F238E27FC236}">
-                <a16:creationId xmlns:a16="http://schemas.microsoft.com/office/drawing/2014/main" id="{4CE28E32-DB6E-6940-8FD6-3099FB333080}"/>
+                <a16:creationId xmlns:a16="http://schemas.microsoft.com/office/drawing/2014/main" id="{9DBC5D81-AB09-4A10-9051-00D5AE2E0EAA}"/>
               </a:ext>
             </a:extLst>
           </p:cNvPr>
@@ -6848,7 +7317,7 @@
     </p:spTree>
     <p:extLst>
       <p:ext uri="{BB962C8B-B14F-4D97-AF65-F5344CB8AC3E}">
-        <p14:creationId xmlns:p14="http://schemas.microsoft.com/office/powerpoint/2010/main" val="1909182034"/>
+        <p14:creationId xmlns:p14="http://schemas.microsoft.com/office/powerpoint/2010/main" val="2741983430"/>
       </p:ext>
     </p:extLst>
   </p:cSld>
@@ -6880,7 +7349,7 @@
           <p:cNvPr id="2" name="Title 1">
             <a:extLst>
               <a:ext uri="{FF2B5EF4-FFF2-40B4-BE49-F238E27FC236}">
-                <a16:creationId xmlns:a16="http://schemas.microsoft.com/office/drawing/2014/main" id="{2E28AB3B-BE88-A04F-9A37-2DC2A676600E}"/>
+                <a16:creationId xmlns:a16="http://schemas.microsoft.com/office/drawing/2014/main" id="{AFDCF4AC-A4FE-40AD-AAE0-F2CAB5AA8209}"/>
               </a:ext>
             </a:extLst>
           </p:cNvPr>
@@ -6908,7 +7377,7 @@
           <p:cNvPr id="3" name="Content Placeholder 2">
             <a:extLst>
               <a:ext uri="{FF2B5EF4-FFF2-40B4-BE49-F238E27FC236}">
-                <a16:creationId xmlns:a16="http://schemas.microsoft.com/office/drawing/2014/main" id="{04E9D0F7-8880-454E-A63E-83A2649509CC}"/>
+                <a16:creationId xmlns:a16="http://schemas.microsoft.com/office/drawing/2014/main" id="{74B68666-E911-4C7E-AC0B-6B8E12E3B68F}"/>
               </a:ext>
             </a:extLst>
           </p:cNvPr>
@@ -6927,7 +7396,7 @@
             <a:pPr lvl="0"/>
             <a:r>
               <a:rPr lang="en-US"/>
-              <a:t>Edit Master text styles</a:t>
+              <a:t>Click to edit Master text styles</a:t>
             </a:r>
           </a:p>
           <a:p>
@@ -6965,7 +7434,7 @@
           <p:cNvPr id="4" name="Date Placeholder 3">
             <a:extLst>
               <a:ext uri="{FF2B5EF4-FFF2-40B4-BE49-F238E27FC236}">
-                <a16:creationId xmlns:a16="http://schemas.microsoft.com/office/drawing/2014/main" id="{26B4E9DD-7FF6-C144-B6DB-7F35F83D9761}"/>
+                <a16:creationId xmlns:a16="http://schemas.microsoft.com/office/drawing/2014/main" id="{9CCC754B-E17A-4EA4-85C6-4BFDF6F99C91}"/>
               </a:ext>
             </a:extLst>
           </p:cNvPr>
@@ -6983,7 +7452,7 @@
           <a:p>
             <a:fld id="{30E324C6-88E5-784F-B796-90A81C75515F}" type="datetimeFigureOut">
               <a:rPr lang="en-US" smtClean="0"/>
-              <a:t>11/15/21</a:t>
+              <a:t>11/15/2021</a:t>
             </a:fld>
             <a:endParaRPr lang="en-US"/>
           </a:p>
@@ -6994,7 +7463,7 @@
           <p:cNvPr id="5" name="Footer Placeholder 4">
             <a:extLst>
               <a:ext uri="{FF2B5EF4-FFF2-40B4-BE49-F238E27FC236}">
-                <a16:creationId xmlns:a16="http://schemas.microsoft.com/office/drawing/2014/main" id="{E89D8D1E-B4C1-6840-AD24-FC662F69221E}"/>
+                <a16:creationId xmlns:a16="http://schemas.microsoft.com/office/drawing/2014/main" id="{E9CA8D92-4A33-4CD7-BEE7-5BEFCE054E46}"/>
               </a:ext>
             </a:extLst>
           </p:cNvPr>
@@ -7019,7 +7488,7 @@
           <p:cNvPr id="6" name="Slide Number Placeholder 5">
             <a:extLst>
               <a:ext uri="{FF2B5EF4-FFF2-40B4-BE49-F238E27FC236}">
-                <a16:creationId xmlns:a16="http://schemas.microsoft.com/office/drawing/2014/main" id="{BF1C874F-49C5-2D4A-9A5C-E21A738757EA}"/>
+                <a16:creationId xmlns:a16="http://schemas.microsoft.com/office/drawing/2014/main" id="{85F35D8F-3D03-4A03-B75E-4E8AE387D33B}"/>
               </a:ext>
             </a:extLst>
           </p:cNvPr>
@@ -7046,7 +7515,7 @@
     </p:spTree>
     <p:extLst>
       <p:ext uri="{BB962C8B-B14F-4D97-AF65-F5344CB8AC3E}">
-        <p14:creationId xmlns:p14="http://schemas.microsoft.com/office/powerpoint/2010/main" val="1829935729"/>
+        <p14:creationId xmlns:p14="http://schemas.microsoft.com/office/powerpoint/2010/main" val="1428444684"/>
       </p:ext>
     </p:extLst>
   </p:cSld>
@@ -7078,7 +7547,7 @@
           <p:cNvPr id="2" name="Title 1">
             <a:extLst>
               <a:ext uri="{FF2B5EF4-FFF2-40B4-BE49-F238E27FC236}">
-                <a16:creationId xmlns:a16="http://schemas.microsoft.com/office/drawing/2014/main" id="{71C7C24B-866A-6E45-9DF2-A99E4C716B2C}"/>
+                <a16:creationId xmlns:a16="http://schemas.microsoft.com/office/drawing/2014/main" id="{7CAFBD5A-E6CE-440A-8AEE-22A8BD6ECBCB}"/>
               </a:ext>
             </a:extLst>
           </p:cNvPr>
@@ -7115,7 +7584,7 @@
           <p:cNvPr id="3" name="Text Placeholder 2">
             <a:extLst>
               <a:ext uri="{FF2B5EF4-FFF2-40B4-BE49-F238E27FC236}">
-                <a16:creationId xmlns:a16="http://schemas.microsoft.com/office/drawing/2014/main" id="{F0887AD4-7AFB-AE4A-BA4B-ACFB7BAE29C5}"/>
+                <a16:creationId xmlns:a16="http://schemas.microsoft.com/office/drawing/2014/main" id="{9220B138-A8ED-4193-81C7-AFE506D66F61}"/>
               </a:ext>
             </a:extLst>
           </p:cNvPr>
@@ -7230,7 +7699,7 @@
             <a:pPr lvl="0"/>
             <a:r>
               <a:rPr lang="en-US"/>
-              <a:t>Edit Master text styles</a:t>
+              <a:t>Click to edit Master text styles</a:t>
             </a:r>
           </a:p>
         </p:txBody>
@@ -7240,7 +7709,7 @@
           <p:cNvPr id="4" name="Date Placeholder 3">
             <a:extLst>
               <a:ext uri="{FF2B5EF4-FFF2-40B4-BE49-F238E27FC236}">
-                <a16:creationId xmlns:a16="http://schemas.microsoft.com/office/drawing/2014/main" id="{2AE86C75-7D7E-5440-A7B1-8618C502599F}"/>
+                <a16:creationId xmlns:a16="http://schemas.microsoft.com/office/drawing/2014/main" id="{A0608B49-C720-4298-AFBF-789BD0FB00EE}"/>
               </a:ext>
             </a:extLst>
           </p:cNvPr>
@@ -7258,7 +7727,7 @@
           <a:p>
             <a:fld id="{30E324C6-88E5-784F-B796-90A81C75515F}" type="datetimeFigureOut">
               <a:rPr lang="en-US" smtClean="0"/>
-              <a:t>11/15/21</a:t>
+              <a:t>11/15/2021</a:t>
             </a:fld>
             <a:endParaRPr lang="en-US"/>
           </a:p>
@@ -7269,7 +7738,7 @@
           <p:cNvPr id="5" name="Footer Placeholder 4">
             <a:extLst>
               <a:ext uri="{FF2B5EF4-FFF2-40B4-BE49-F238E27FC236}">
-                <a16:creationId xmlns:a16="http://schemas.microsoft.com/office/drawing/2014/main" id="{E0FFB733-5F73-E94C-A7E6-9F71323148F6}"/>
+                <a16:creationId xmlns:a16="http://schemas.microsoft.com/office/drawing/2014/main" id="{DFD77237-430D-4F1C-A7AB-CA4EE75ABC58}"/>
               </a:ext>
             </a:extLst>
           </p:cNvPr>
@@ -7294,7 +7763,7 @@
           <p:cNvPr id="6" name="Slide Number Placeholder 5">
             <a:extLst>
               <a:ext uri="{FF2B5EF4-FFF2-40B4-BE49-F238E27FC236}">
-                <a16:creationId xmlns:a16="http://schemas.microsoft.com/office/drawing/2014/main" id="{1BF2243D-E28E-B24B-9710-BCE6D99B92FB}"/>
+                <a16:creationId xmlns:a16="http://schemas.microsoft.com/office/drawing/2014/main" id="{BC5BB368-C149-401E-932A-BF3B902F14AD}"/>
               </a:ext>
             </a:extLst>
           </p:cNvPr>
@@ -7321,7 +7790,7 @@
     </p:spTree>
     <p:extLst>
       <p:ext uri="{BB962C8B-B14F-4D97-AF65-F5344CB8AC3E}">
-        <p14:creationId xmlns:p14="http://schemas.microsoft.com/office/powerpoint/2010/main" val="3472302382"/>
+        <p14:creationId xmlns:p14="http://schemas.microsoft.com/office/powerpoint/2010/main" val="566312900"/>
       </p:ext>
     </p:extLst>
   </p:cSld>
@@ -7353,7 +7822,7 @@
           <p:cNvPr id="2" name="Title 1">
             <a:extLst>
               <a:ext uri="{FF2B5EF4-FFF2-40B4-BE49-F238E27FC236}">
-                <a16:creationId xmlns:a16="http://schemas.microsoft.com/office/drawing/2014/main" id="{865CB714-2B0F-D745-A135-37FC84701B39}"/>
+                <a16:creationId xmlns:a16="http://schemas.microsoft.com/office/drawing/2014/main" id="{AFE5AA1D-9AFA-4FD1-8D9F-A6EA79C1D872}"/>
               </a:ext>
             </a:extLst>
           </p:cNvPr>
@@ -7381,7 +7850,7 @@
           <p:cNvPr id="3" name="Content Placeholder 2">
             <a:extLst>
               <a:ext uri="{FF2B5EF4-FFF2-40B4-BE49-F238E27FC236}">
-                <a16:creationId xmlns:a16="http://schemas.microsoft.com/office/drawing/2014/main" id="{E5D7D526-E44B-DF4F-B581-92D5059AB08F}"/>
+                <a16:creationId xmlns:a16="http://schemas.microsoft.com/office/drawing/2014/main" id="{74FFABD9-AF26-4005-9C08-D4689EC74A41}"/>
               </a:ext>
             </a:extLst>
           </p:cNvPr>
@@ -7405,7 +7874,7 @@
             <a:pPr lvl="0"/>
             <a:r>
               <a:rPr lang="en-US"/>
-              <a:t>Edit Master text styles</a:t>
+              <a:t>Click to edit Master text styles</a:t>
             </a:r>
           </a:p>
           <a:p>
@@ -7443,7 +7912,7 @@
           <p:cNvPr id="4" name="Content Placeholder 3">
             <a:extLst>
               <a:ext uri="{FF2B5EF4-FFF2-40B4-BE49-F238E27FC236}">
-                <a16:creationId xmlns:a16="http://schemas.microsoft.com/office/drawing/2014/main" id="{34B9C98E-7B16-0B48-8B30-1AF14182C83F}"/>
+                <a16:creationId xmlns:a16="http://schemas.microsoft.com/office/drawing/2014/main" id="{C4F68DB4-B8FD-47C6-916C-013F18EAA9F5}"/>
               </a:ext>
             </a:extLst>
           </p:cNvPr>
@@ -7467,7 +7936,7 @@
             <a:pPr lvl="0"/>
             <a:r>
               <a:rPr lang="en-US"/>
-              <a:t>Edit Master text styles</a:t>
+              <a:t>Click to edit Master text styles</a:t>
             </a:r>
           </a:p>
           <a:p>
@@ -7505,7 +7974,7 @@
           <p:cNvPr id="5" name="Date Placeholder 4">
             <a:extLst>
               <a:ext uri="{FF2B5EF4-FFF2-40B4-BE49-F238E27FC236}">
-                <a16:creationId xmlns:a16="http://schemas.microsoft.com/office/drawing/2014/main" id="{A0EFBA90-2727-6C4C-B479-E76EBA4EE6DD}"/>
+                <a16:creationId xmlns:a16="http://schemas.microsoft.com/office/drawing/2014/main" id="{ADDCFC03-A7CD-4F0A-9115-1179061B6536}"/>
               </a:ext>
             </a:extLst>
           </p:cNvPr>
@@ -7523,7 +7992,7 @@
           <a:p>
             <a:fld id="{30E324C6-88E5-784F-B796-90A81C75515F}" type="datetimeFigureOut">
               <a:rPr lang="en-US" smtClean="0"/>
-              <a:t>11/15/21</a:t>
+              <a:t>11/15/2021</a:t>
             </a:fld>
             <a:endParaRPr lang="en-US"/>
           </a:p>
@@ -7534,7 +8003,7 @@
           <p:cNvPr id="6" name="Footer Placeholder 5">
             <a:extLst>
               <a:ext uri="{FF2B5EF4-FFF2-40B4-BE49-F238E27FC236}">
-                <a16:creationId xmlns:a16="http://schemas.microsoft.com/office/drawing/2014/main" id="{05DF32EB-BE70-3B4B-8905-BB7092875613}"/>
+                <a16:creationId xmlns:a16="http://schemas.microsoft.com/office/drawing/2014/main" id="{E93AB02A-2065-4CC9-80B5-496FFD495303}"/>
               </a:ext>
             </a:extLst>
           </p:cNvPr>
@@ -7559,7 +8028,7 @@
           <p:cNvPr id="7" name="Slide Number Placeholder 6">
             <a:extLst>
               <a:ext uri="{FF2B5EF4-FFF2-40B4-BE49-F238E27FC236}">
-                <a16:creationId xmlns:a16="http://schemas.microsoft.com/office/drawing/2014/main" id="{F3BC219A-9BDB-3145-A58E-B88CF8499F63}"/>
+                <a16:creationId xmlns:a16="http://schemas.microsoft.com/office/drawing/2014/main" id="{CC7EB623-9C5A-4A9B-B0B2-C43F6D03C41C}"/>
               </a:ext>
             </a:extLst>
           </p:cNvPr>
@@ -7586,7 +8055,7 @@
     </p:spTree>
     <p:extLst>
       <p:ext uri="{BB962C8B-B14F-4D97-AF65-F5344CB8AC3E}">
-        <p14:creationId xmlns:p14="http://schemas.microsoft.com/office/powerpoint/2010/main" val="2883497239"/>
+        <p14:creationId xmlns:p14="http://schemas.microsoft.com/office/powerpoint/2010/main" val="2060889608"/>
       </p:ext>
     </p:extLst>
   </p:cSld>
@@ -7618,7 +8087,7 @@
           <p:cNvPr id="2" name="Title 1">
             <a:extLst>
               <a:ext uri="{FF2B5EF4-FFF2-40B4-BE49-F238E27FC236}">
-                <a16:creationId xmlns:a16="http://schemas.microsoft.com/office/drawing/2014/main" id="{2B653674-1639-8647-A3B0-A5200470183F}"/>
+                <a16:creationId xmlns:a16="http://schemas.microsoft.com/office/drawing/2014/main" id="{95E58BB4-8575-4019-860E-60E39A8CC823}"/>
               </a:ext>
             </a:extLst>
           </p:cNvPr>
@@ -7651,7 +8120,7 @@
           <p:cNvPr id="3" name="Text Placeholder 2">
             <a:extLst>
               <a:ext uri="{FF2B5EF4-FFF2-40B4-BE49-F238E27FC236}">
-                <a16:creationId xmlns:a16="http://schemas.microsoft.com/office/drawing/2014/main" id="{C17EEAD2-A572-1148-897A-149EF9C644A1}"/>
+                <a16:creationId xmlns:a16="http://schemas.microsoft.com/office/drawing/2014/main" id="{113E5197-A0BB-422A-B0D2-991489B55AE5}"/>
               </a:ext>
             </a:extLst>
           </p:cNvPr>
@@ -7712,7 +8181,7 @@
             <a:pPr lvl="0"/>
             <a:r>
               <a:rPr lang="en-US"/>
-              <a:t>Edit Master text styles</a:t>
+              <a:t>Click to edit Master text styles</a:t>
             </a:r>
           </a:p>
         </p:txBody>
@@ -7722,7 +8191,7 @@
           <p:cNvPr id="4" name="Content Placeholder 3">
             <a:extLst>
               <a:ext uri="{FF2B5EF4-FFF2-40B4-BE49-F238E27FC236}">
-                <a16:creationId xmlns:a16="http://schemas.microsoft.com/office/drawing/2014/main" id="{C938CB1C-0B6B-3040-B2AC-33D77D747FE8}"/>
+                <a16:creationId xmlns:a16="http://schemas.microsoft.com/office/drawing/2014/main" id="{9145D371-F36D-407A-9DC1-362AB208C6B9}"/>
               </a:ext>
             </a:extLst>
           </p:cNvPr>
@@ -7746,7 +8215,7 @@
             <a:pPr lvl="0"/>
             <a:r>
               <a:rPr lang="en-US"/>
-              <a:t>Edit Master text styles</a:t>
+              <a:t>Click to edit Master text styles</a:t>
             </a:r>
           </a:p>
           <a:p>
@@ -7784,7 +8253,7 @@
           <p:cNvPr id="5" name="Text Placeholder 4">
             <a:extLst>
               <a:ext uri="{FF2B5EF4-FFF2-40B4-BE49-F238E27FC236}">
-                <a16:creationId xmlns:a16="http://schemas.microsoft.com/office/drawing/2014/main" id="{956952E2-11FE-9A4B-82D9-924A152C3247}"/>
+                <a16:creationId xmlns:a16="http://schemas.microsoft.com/office/drawing/2014/main" id="{495B2CFA-A632-4483-BBF5-C23BB666444F}"/>
               </a:ext>
             </a:extLst>
           </p:cNvPr>
@@ -7845,7 +8314,7 @@
             <a:pPr lvl="0"/>
             <a:r>
               <a:rPr lang="en-US"/>
-              <a:t>Edit Master text styles</a:t>
+              <a:t>Click to edit Master text styles</a:t>
             </a:r>
           </a:p>
         </p:txBody>
@@ -7855,7 +8324,7 @@
           <p:cNvPr id="6" name="Content Placeholder 5">
             <a:extLst>
               <a:ext uri="{FF2B5EF4-FFF2-40B4-BE49-F238E27FC236}">
-                <a16:creationId xmlns:a16="http://schemas.microsoft.com/office/drawing/2014/main" id="{76347433-FA24-144A-A3F9-118D5F75C31B}"/>
+                <a16:creationId xmlns:a16="http://schemas.microsoft.com/office/drawing/2014/main" id="{6FEF1B42-C9F0-4BE0-B398-F61C57D716E8}"/>
               </a:ext>
             </a:extLst>
           </p:cNvPr>
@@ -7879,7 +8348,7 @@
             <a:pPr lvl="0"/>
             <a:r>
               <a:rPr lang="en-US"/>
-              <a:t>Edit Master text styles</a:t>
+              <a:t>Click to edit Master text styles</a:t>
             </a:r>
           </a:p>
           <a:p>
@@ -7917,7 +8386,7 @@
           <p:cNvPr id="7" name="Date Placeholder 6">
             <a:extLst>
               <a:ext uri="{FF2B5EF4-FFF2-40B4-BE49-F238E27FC236}">
-                <a16:creationId xmlns:a16="http://schemas.microsoft.com/office/drawing/2014/main" id="{202EAB29-A06B-0148-8F9F-488F8B2674A3}"/>
+                <a16:creationId xmlns:a16="http://schemas.microsoft.com/office/drawing/2014/main" id="{5C9780A2-86B9-4497-8D89-E4C39726EDEA}"/>
               </a:ext>
             </a:extLst>
           </p:cNvPr>
@@ -7935,7 +8404,7 @@
           <a:p>
             <a:fld id="{30E324C6-88E5-784F-B796-90A81C75515F}" type="datetimeFigureOut">
               <a:rPr lang="en-US" smtClean="0"/>
-              <a:t>11/15/21</a:t>
+              <a:t>11/15/2021</a:t>
             </a:fld>
             <a:endParaRPr lang="en-US"/>
           </a:p>
@@ -7946,7 +8415,7 @@
           <p:cNvPr id="8" name="Footer Placeholder 7">
             <a:extLst>
               <a:ext uri="{FF2B5EF4-FFF2-40B4-BE49-F238E27FC236}">
-                <a16:creationId xmlns:a16="http://schemas.microsoft.com/office/drawing/2014/main" id="{0C918AB4-E53C-0B41-8B1A-77D78E8E1C69}"/>
+                <a16:creationId xmlns:a16="http://schemas.microsoft.com/office/drawing/2014/main" id="{FFF9A174-090B-4A0D-85CE-DA314BF5A560}"/>
               </a:ext>
             </a:extLst>
           </p:cNvPr>
@@ -7971,7 +8440,7 @@
           <p:cNvPr id="9" name="Slide Number Placeholder 8">
             <a:extLst>
               <a:ext uri="{FF2B5EF4-FFF2-40B4-BE49-F238E27FC236}">
-                <a16:creationId xmlns:a16="http://schemas.microsoft.com/office/drawing/2014/main" id="{ED02CCEC-7B6B-DE4B-A570-FCB4775006CE}"/>
+                <a16:creationId xmlns:a16="http://schemas.microsoft.com/office/drawing/2014/main" id="{E7630BD9-04B7-4606-A66F-A1E26DA23AB2}"/>
               </a:ext>
             </a:extLst>
           </p:cNvPr>
@@ -7998,7 +8467,7 @@
     </p:spTree>
     <p:extLst>
       <p:ext uri="{BB962C8B-B14F-4D97-AF65-F5344CB8AC3E}">
-        <p14:creationId xmlns:p14="http://schemas.microsoft.com/office/powerpoint/2010/main" val="2031703091"/>
+        <p14:creationId xmlns:p14="http://schemas.microsoft.com/office/powerpoint/2010/main" val="299942886"/>
       </p:ext>
     </p:extLst>
   </p:cSld>
@@ -8030,7 +8499,7 @@
           <p:cNvPr id="2" name="Title 1">
             <a:extLst>
               <a:ext uri="{FF2B5EF4-FFF2-40B4-BE49-F238E27FC236}">
-                <a16:creationId xmlns:a16="http://schemas.microsoft.com/office/drawing/2014/main" id="{35464DF1-617E-1647-A813-D54A47856193}"/>
+                <a16:creationId xmlns:a16="http://schemas.microsoft.com/office/drawing/2014/main" id="{26741C93-23F8-4050-96F4-AAA7E501782B}"/>
               </a:ext>
             </a:extLst>
           </p:cNvPr>
@@ -8058,7 +8527,7 @@
           <p:cNvPr id="3" name="Date Placeholder 2">
             <a:extLst>
               <a:ext uri="{FF2B5EF4-FFF2-40B4-BE49-F238E27FC236}">
-                <a16:creationId xmlns:a16="http://schemas.microsoft.com/office/drawing/2014/main" id="{E527342F-F25A-D140-B743-00D166BFDC35}"/>
+                <a16:creationId xmlns:a16="http://schemas.microsoft.com/office/drawing/2014/main" id="{47ABCEB9-3E8C-4B37-BF2A-17DC18B455A9}"/>
               </a:ext>
             </a:extLst>
           </p:cNvPr>
@@ -8076,7 +8545,7 @@
           <a:p>
             <a:fld id="{30E324C6-88E5-784F-B796-90A81C75515F}" type="datetimeFigureOut">
               <a:rPr lang="en-US" smtClean="0"/>
-              <a:t>11/15/21</a:t>
+              <a:t>11/15/2021</a:t>
             </a:fld>
             <a:endParaRPr lang="en-US"/>
           </a:p>
@@ -8087,7 +8556,7 @@
           <p:cNvPr id="4" name="Footer Placeholder 3">
             <a:extLst>
               <a:ext uri="{FF2B5EF4-FFF2-40B4-BE49-F238E27FC236}">
-                <a16:creationId xmlns:a16="http://schemas.microsoft.com/office/drawing/2014/main" id="{9B04ABB3-51FD-7340-B04C-CB6F6344E63E}"/>
+                <a16:creationId xmlns:a16="http://schemas.microsoft.com/office/drawing/2014/main" id="{EEBF203B-D932-4119-8EA2-E3D3C2D35017}"/>
               </a:ext>
             </a:extLst>
           </p:cNvPr>
@@ -8112,7 +8581,7 @@
           <p:cNvPr id="5" name="Slide Number Placeholder 4">
             <a:extLst>
               <a:ext uri="{FF2B5EF4-FFF2-40B4-BE49-F238E27FC236}">
-                <a16:creationId xmlns:a16="http://schemas.microsoft.com/office/drawing/2014/main" id="{CF4678FA-9B01-1547-9D33-28BFDEE223AD}"/>
+                <a16:creationId xmlns:a16="http://schemas.microsoft.com/office/drawing/2014/main" id="{9E6094C3-E287-467A-8D99-8417397137B8}"/>
               </a:ext>
             </a:extLst>
           </p:cNvPr>
@@ -8139,7 +8608,7 @@
     </p:spTree>
     <p:extLst>
       <p:ext uri="{BB962C8B-B14F-4D97-AF65-F5344CB8AC3E}">
-        <p14:creationId xmlns:p14="http://schemas.microsoft.com/office/powerpoint/2010/main" val="2055917581"/>
+        <p14:creationId xmlns:p14="http://schemas.microsoft.com/office/powerpoint/2010/main" val="2677241843"/>
       </p:ext>
     </p:extLst>
   </p:cSld>
@@ -8171,7 +8640,7 @@
           <p:cNvPr id="2" name="Date Placeholder 1">
             <a:extLst>
               <a:ext uri="{FF2B5EF4-FFF2-40B4-BE49-F238E27FC236}">
-                <a16:creationId xmlns:a16="http://schemas.microsoft.com/office/drawing/2014/main" id="{3F4262A8-0D15-4241-950B-D9D2FBB715CC}"/>
+                <a16:creationId xmlns:a16="http://schemas.microsoft.com/office/drawing/2014/main" id="{F4B6973E-93C6-41C0-BD04-54D08A7FE34A}"/>
               </a:ext>
             </a:extLst>
           </p:cNvPr>
@@ -8189,7 +8658,7 @@
           <a:p>
             <a:fld id="{30E324C6-88E5-784F-B796-90A81C75515F}" type="datetimeFigureOut">
               <a:rPr lang="en-US" smtClean="0"/>
-              <a:t>11/15/21</a:t>
+              <a:t>11/15/2021</a:t>
             </a:fld>
             <a:endParaRPr lang="en-US"/>
           </a:p>
@@ -8200,7 +8669,7 @@
           <p:cNvPr id="3" name="Footer Placeholder 2">
             <a:extLst>
               <a:ext uri="{FF2B5EF4-FFF2-40B4-BE49-F238E27FC236}">
-                <a16:creationId xmlns:a16="http://schemas.microsoft.com/office/drawing/2014/main" id="{6ABCDF18-8308-CE47-A075-4AD265F98333}"/>
+                <a16:creationId xmlns:a16="http://schemas.microsoft.com/office/drawing/2014/main" id="{2EA2E1C8-86F9-4305-8471-FBC220273447}"/>
               </a:ext>
             </a:extLst>
           </p:cNvPr>
@@ -8225,7 +8694,7 @@
           <p:cNvPr id="4" name="Slide Number Placeholder 3">
             <a:extLst>
               <a:ext uri="{FF2B5EF4-FFF2-40B4-BE49-F238E27FC236}">
-                <a16:creationId xmlns:a16="http://schemas.microsoft.com/office/drawing/2014/main" id="{ED24BEBF-7C4E-AB46-BD49-9187C90502B5}"/>
+                <a16:creationId xmlns:a16="http://schemas.microsoft.com/office/drawing/2014/main" id="{44EBBD08-7FBE-4099-BDBB-1A4B22AF1C9C}"/>
               </a:ext>
             </a:extLst>
           </p:cNvPr>
@@ -8252,7 +8721,7 @@
     </p:spTree>
     <p:extLst>
       <p:ext uri="{BB962C8B-B14F-4D97-AF65-F5344CB8AC3E}">
-        <p14:creationId xmlns:p14="http://schemas.microsoft.com/office/powerpoint/2010/main" val="3863730185"/>
+        <p14:creationId xmlns:p14="http://schemas.microsoft.com/office/powerpoint/2010/main" val="430377894"/>
       </p:ext>
     </p:extLst>
   </p:cSld>
@@ -8284,7 +8753,7 @@
           <p:cNvPr id="2" name="Title 1">
             <a:extLst>
               <a:ext uri="{FF2B5EF4-FFF2-40B4-BE49-F238E27FC236}">
-                <a16:creationId xmlns:a16="http://schemas.microsoft.com/office/drawing/2014/main" id="{7B1751C6-6D4D-EF44-AB1E-BD641FBCCD47}"/>
+                <a16:creationId xmlns:a16="http://schemas.microsoft.com/office/drawing/2014/main" id="{8D9DA763-736E-48A9-B1A5-17F9FE2A30F9}"/>
               </a:ext>
             </a:extLst>
           </p:cNvPr>
@@ -8321,7 +8790,7 @@
           <p:cNvPr id="3" name="Content Placeholder 2">
             <a:extLst>
               <a:ext uri="{FF2B5EF4-FFF2-40B4-BE49-F238E27FC236}">
-                <a16:creationId xmlns:a16="http://schemas.microsoft.com/office/drawing/2014/main" id="{165D9502-B8F8-9842-B1FF-771CECF55BBF}"/>
+                <a16:creationId xmlns:a16="http://schemas.microsoft.com/office/drawing/2014/main" id="{055E1934-ABD4-427F-9498-D4B24AE99B5F}"/>
               </a:ext>
             </a:extLst>
           </p:cNvPr>
@@ -8373,7 +8842,7 @@
             <a:pPr lvl="0"/>
             <a:r>
               <a:rPr lang="en-US"/>
-              <a:t>Edit Master text styles</a:t>
+              <a:t>Click to edit Master text styles</a:t>
             </a:r>
           </a:p>
           <a:p>
@@ -8411,7 +8880,7 @@
           <p:cNvPr id="4" name="Text Placeholder 3">
             <a:extLst>
               <a:ext uri="{FF2B5EF4-FFF2-40B4-BE49-F238E27FC236}">
-                <a16:creationId xmlns:a16="http://schemas.microsoft.com/office/drawing/2014/main" id="{92E50DCD-D8FB-E740-9A28-A66CFAA82E91}"/>
+                <a16:creationId xmlns:a16="http://schemas.microsoft.com/office/drawing/2014/main" id="{AA8D1DE0-68B7-4920-B205-7395C41C7E51}"/>
               </a:ext>
             </a:extLst>
           </p:cNvPr>
@@ -8472,7 +8941,7 @@
             <a:pPr lvl="0"/>
             <a:r>
               <a:rPr lang="en-US"/>
-              <a:t>Edit Master text styles</a:t>
+              <a:t>Click to edit Master text styles</a:t>
             </a:r>
           </a:p>
         </p:txBody>
@@ -8482,7 +8951,7 @@
           <p:cNvPr id="5" name="Date Placeholder 4">
             <a:extLst>
               <a:ext uri="{FF2B5EF4-FFF2-40B4-BE49-F238E27FC236}">
-                <a16:creationId xmlns:a16="http://schemas.microsoft.com/office/drawing/2014/main" id="{EB9A16D6-5D43-B445-A24E-25AA30404A48}"/>
+                <a16:creationId xmlns:a16="http://schemas.microsoft.com/office/drawing/2014/main" id="{A66A2465-E0ED-4982-8733-744ADDB99261}"/>
               </a:ext>
             </a:extLst>
           </p:cNvPr>
@@ -8500,7 +8969,7 @@
           <a:p>
             <a:fld id="{30E324C6-88E5-784F-B796-90A81C75515F}" type="datetimeFigureOut">
               <a:rPr lang="en-US" smtClean="0"/>
-              <a:t>11/15/21</a:t>
+              <a:t>11/15/2021</a:t>
             </a:fld>
             <a:endParaRPr lang="en-US"/>
           </a:p>
@@ -8511,7 +8980,7 @@
           <p:cNvPr id="6" name="Footer Placeholder 5">
             <a:extLst>
               <a:ext uri="{FF2B5EF4-FFF2-40B4-BE49-F238E27FC236}">
-                <a16:creationId xmlns:a16="http://schemas.microsoft.com/office/drawing/2014/main" id="{12D9E199-4992-A34F-AAA0-B3E46FC32163}"/>
+                <a16:creationId xmlns:a16="http://schemas.microsoft.com/office/drawing/2014/main" id="{E93660ED-CB1A-401E-821E-FADF40069269}"/>
               </a:ext>
             </a:extLst>
           </p:cNvPr>
@@ -8536,7 +9005,7 @@
           <p:cNvPr id="7" name="Slide Number Placeholder 6">
             <a:extLst>
               <a:ext uri="{FF2B5EF4-FFF2-40B4-BE49-F238E27FC236}">
-                <a16:creationId xmlns:a16="http://schemas.microsoft.com/office/drawing/2014/main" id="{8C3B8E53-DFB9-2E48-AAD5-B92AED8451F7}"/>
+                <a16:creationId xmlns:a16="http://schemas.microsoft.com/office/drawing/2014/main" id="{327DCE1B-47F2-45C9-93FA-F660398D8419}"/>
               </a:ext>
             </a:extLst>
           </p:cNvPr>
@@ -8563,7 +9032,7 @@
     </p:spTree>
     <p:extLst>
       <p:ext uri="{BB962C8B-B14F-4D97-AF65-F5344CB8AC3E}">
-        <p14:creationId xmlns:p14="http://schemas.microsoft.com/office/powerpoint/2010/main" val="1862850760"/>
+        <p14:creationId xmlns:p14="http://schemas.microsoft.com/office/powerpoint/2010/main" val="3516770300"/>
       </p:ext>
     </p:extLst>
   </p:cSld>
@@ -8595,7 +9064,7 @@
           <p:cNvPr id="2" name="Title 1">
             <a:extLst>
               <a:ext uri="{FF2B5EF4-FFF2-40B4-BE49-F238E27FC236}">
-                <a16:creationId xmlns:a16="http://schemas.microsoft.com/office/drawing/2014/main" id="{600ADCFE-F965-B946-B205-C54C43F7DCA3}"/>
+                <a16:creationId xmlns:a16="http://schemas.microsoft.com/office/drawing/2014/main" id="{6B74FBB7-1F6A-43EF-B50E-56C21D1748DA}"/>
               </a:ext>
             </a:extLst>
           </p:cNvPr>
@@ -8632,7 +9101,7 @@
           <p:cNvPr id="3" name="Picture Placeholder 2">
             <a:extLst>
               <a:ext uri="{FF2B5EF4-FFF2-40B4-BE49-F238E27FC236}">
-                <a16:creationId xmlns:a16="http://schemas.microsoft.com/office/drawing/2014/main" id="{85E802C9-4D5C-D84F-BEEF-1D73C77B7006}"/>
+                <a16:creationId xmlns:a16="http://schemas.microsoft.com/office/drawing/2014/main" id="{BE0DAE3A-15DA-4434-9EF0-C42FA867326D}"/>
               </a:ext>
             </a:extLst>
           </p:cNvPr>
@@ -8699,7 +9168,7 @@
           <p:cNvPr id="4" name="Text Placeholder 3">
             <a:extLst>
               <a:ext uri="{FF2B5EF4-FFF2-40B4-BE49-F238E27FC236}">
-                <a16:creationId xmlns:a16="http://schemas.microsoft.com/office/drawing/2014/main" id="{821C3F10-CE73-FB43-B19B-189FFC9913BA}"/>
+                <a16:creationId xmlns:a16="http://schemas.microsoft.com/office/drawing/2014/main" id="{A7F8A907-AA89-4697-BDFA-C22D604714E5}"/>
               </a:ext>
             </a:extLst>
           </p:cNvPr>
@@ -8760,7 +9229,7 @@
             <a:pPr lvl="0"/>
             <a:r>
               <a:rPr lang="en-US"/>
-              <a:t>Edit Master text styles</a:t>
+              <a:t>Click to edit Master text styles</a:t>
             </a:r>
           </a:p>
         </p:txBody>
@@ -8770,7 +9239,7 @@
           <p:cNvPr id="5" name="Date Placeholder 4">
             <a:extLst>
               <a:ext uri="{FF2B5EF4-FFF2-40B4-BE49-F238E27FC236}">
-                <a16:creationId xmlns:a16="http://schemas.microsoft.com/office/drawing/2014/main" id="{8E361DD8-1EA3-1042-8949-39779DC8D864}"/>
+                <a16:creationId xmlns:a16="http://schemas.microsoft.com/office/drawing/2014/main" id="{A352354A-BA18-4E90-A300-B4FD04CE1E50}"/>
               </a:ext>
             </a:extLst>
           </p:cNvPr>
@@ -8788,7 +9257,7 @@
           <a:p>
             <a:fld id="{30E324C6-88E5-784F-B796-90A81C75515F}" type="datetimeFigureOut">
               <a:rPr lang="en-US" smtClean="0"/>
-              <a:t>11/15/21</a:t>
+              <a:t>11/15/2021</a:t>
             </a:fld>
             <a:endParaRPr lang="en-US"/>
           </a:p>
@@ -8799,7 +9268,7 @@
           <p:cNvPr id="6" name="Footer Placeholder 5">
             <a:extLst>
               <a:ext uri="{FF2B5EF4-FFF2-40B4-BE49-F238E27FC236}">
-                <a16:creationId xmlns:a16="http://schemas.microsoft.com/office/drawing/2014/main" id="{39CF6E5A-24A8-7C41-9D7E-DAE7A01D6B00}"/>
+                <a16:creationId xmlns:a16="http://schemas.microsoft.com/office/drawing/2014/main" id="{D74858F4-5ECC-4F3C-B5D3-E1D93338FC6A}"/>
               </a:ext>
             </a:extLst>
           </p:cNvPr>
@@ -8824,7 +9293,7 @@
           <p:cNvPr id="7" name="Slide Number Placeholder 6">
             <a:extLst>
               <a:ext uri="{FF2B5EF4-FFF2-40B4-BE49-F238E27FC236}">
-                <a16:creationId xmlns:a16="http://schemas.microsoft.com/office/drawing/2014/main" id="{C740688B-FEA3-3F49-A75C-2812DA3DCCC8}"/>
+                <a16:creationId xmlns:a16="http://schemas.microsoft.com/office/drawing/2014/main" id="{8D72EA87-7358-45AF-93E8-ACABEEDDB8FC}"/>
               </a:ext>
             </a:extLst>
           </p:cNvPr>
@@ -8851,7 +9320,7 @@
     </p:spTree>
     <p:extLst>
       <p:ext uri="{BB962C8B-B14F-4D97-AF65-F5344CB8AC3E}">
-        <p14:creationId xmlns:p14="http://schemas.microsoft.com/office/powerpoint/2010/main" val="1230805484"/>
+        <p14:creationId xmlns:p14="http://schemas.microsoft.com/office/powerpoint/2010/main" val="513538995"/>
       </p:ext>
     </p:extLst>
   </p:cSld>
@@ -8866,7 +9335,7 @@
   <p:cSld>
     <p:bg>
       <p:bgRef idx="1001">
-        <a:schemeClr val="bg1"/>
+        <a:schemeClr val="bg2"/>
       </p:bgRef>
     </p:bg>
     <p:spTree>
@@ -8888,7 +9357,7 @@
           <p:cNvPr id="2" name="Title Placeholder 1">
             <a:extLst>
               <a:ext uri="{FF2B5EF4-FFF2-40B4-BE49-F238E27FC236}">
-                <a16:creationId xmlns:a16="http://schemas.microsoft.com/office/drawing/2014/main" id="{1CE1A4F3-AD10-0F47-AACD-B3AE70377799}"/>
+                <a16:creationId xmlns:a16="http://schemas.microsoft.com/office/drawing/2014/main" id="{7524C377-CC31-4782-8188-7AFDDA492ED6}"/>
               </a:ext>
             </a:extLst>
           </p:cNvPr>
@@ -8926,7 +9395,7 @@
           <p:cNvPr id="3" name="Text Placeholder 2">
             <a:extLst>
               <a:ext uri="{FF2B5EF4-FFF2-40B4-BE49-F238E27FC236}">
-                <a16:creationId xmlns:a16="http://schemas.microsoft.com/office/drawing/2014/main" id="{28E3924C-9EF6-EB4E-922F-FC44A30C0772}"/>
+                <a16:creationId xmlns:a16="http://schemas.microsoft.com/office/drawing/2014/main" id="{ACAE5BC1-6D2A-4D78-A295-9A81051B2E6F}"/>
               </a:ext>
             </a:extLst>
           </p:cNvPr>
@@ -8955,7 +9424,7 @@
             <a:pPr lvl="0"/>
             <a:r>
               <a:rPr lang="en-US"/>
-              <a:t>Edit Master text styles</a:t>
+              <a:t>Click to edit Master text styles</a:t>
             </a:r>
           </a:p>
           <a:p>
@@ -8993,7 +9462,7 @@
           <p:cNvPr id="4" name="Date Placeholder 3">
             <a:extLst>
               <a:ext uri="{FF2B5EF4-FFF2-40B4-BE49-F238E27FC236}">
-                <a16:creationId xmlns:a16="http://schemas.microsoft.com/office/drawing/2014/main" id="{A43B0436-195A-CA4A-84B6-EEC305651D00}"/>
+                <a16:creationId xmlns:a16="http://schemas.microsoft.com/office/drawing/2014/main" id="{0DAF0869-C7FA-48C2-86C5-0BED5E959CC8}"/>
               </a:ext>
             </a:extLst>
           </p:cNvPr>
@@ -9029,7 +9498,7 @@
           <a:p>
             <a:fld id="{30E324C6-88E5-784F-B796-90A81C75515F}" type="datetimeFigureOut">
               <a:rPr lang="en-US" smtClean="0"/>
-              <a:t>11/15/21</a:t>
+              <a:t>11/15/2021</a:t>
             </a:fld>
             <a:endParaRPr lang="en-US"/>
           </a:p>
@@ -9040,7 +9509,7 @@
           <p:cNvPr id="5" name="Footer Placeholder 4">
             <a:extLst>
               <a:ext uri="{FF2B5EF4-FFF2-40B4-BE49-F238E27FC236}">
-                <a16:creationId xmlns:a16="http://schemas.microsoft.com/office/drawing/2014/main" id="{140AD02B-1D50-8845-AC89-7BC63BF4C272}"/>
+                <a16:creationId xmlns:a16="http://schemas.microsoft.com/office/drawing/2014/main" id="{426D7116-8A47-4F3D-AD7D-F16E6D286A17}"/>
               </a:ext>
             </a:extLst>
           </p:cNvPr>
@@ -9083,7 +9552,7 @@
           <p:cNvPr id="6" name="Slide Number Placeholder 5">
             <a:extLst>
               <a:ext uri="{FF2B5EF4-FFF2-40B4-BE49-F238E27FC236}">
-                <a16:creationId xmlns:a16="http://schemas.microsoft.com/office/drawing/2014/main" id="{403806A8-A26B-F140-B6BF-FFFA7A3E5723}"/>
+                <a16:creationId xmlns:a16="http://schemas.microsoft.com/office/drawing/2014/main" id="{FEA1E815-CFF6-4DF5-BA36-75FFACFE4DF4}"/>
               </a:ext>
             </a:extLst>
           </p:cNvPr>
@@ -9128,23 +9597,23 @@
     </p:spTree>
     <p:extLst>
       <p:ext uri="{BB962C8B-B14F-4D97-AF65-F5344CB8AC3E}">
-        <p14:creationId xmlns:p14="http://schemas.microsoft.com/office/powerpoint/2010/main" val="223265741"/>
+        <p14:creationId xmlns:p14="http://schemas.microsoft.com/office/powerpoint/2010/main" val="1919908387"/>
       </p:ext>
     </p:extLst>
   </p:cSld>
   <p:clrMap bg1="lt1" tx1="dk1" bg2="lt2" tx2="dk2" accent1="accent1" accent2="accent2" accent3="accent3" accent4="accent4" accent5="accent5" accent6="accent6" hlink="hlink" folHlink="folHlink"/>
   <p:sldLayoutIdLst>
-    <p:sldLayoutId id="2147483868" r:id="rId1"/>
-    <p:sldLayoutId id="2147483869" r:id="rId2"/>
-    <p:sldLayoutId id="2147483870" r:id="rId3"/>
-    <p:sldLayoutId id="2147483871" r:id="rId4"/>
-    <p:sldLayoutId id="2147483872" r:id="rId5"/>
-    <p:sldLayoutId id="2147483873" r:id="rId6"/>
-    <p:sldLayoutId id="2147483874" r:id="rId7"/>
-    <p:sldLayoutId id="2147483875" r:id="rId8"/>
-    <p:sldLayoutId id="2147483876" r:id="rId9"/>
-    <p:sldLayoutId id="2147483877" r:id="rId10"/>
-    <p:sldLayoutId id="2147483878" r:id="rId11"/>
+    <p:sldLayoutId id="2147483904" r:id="rId1"/>
+    <p:sldLayoutId id="2147483905" r:id="rId2"/>
+    <p:sldLayoutId id="2147483906" r:id="rId3"/>
+    <p:sldLayoutId id="2147483907" r:id="rId4"/>
+    <p:sldLayoutId id="2147483908" r:id="rId5"/>
+    <p:sldLayoutId id="2147483909" r:id="rId6"/>
+    <p:sldLayoutId id="2147483910" r:id="rId7"/>
+    <p:sldLayoutId id="2147483911" r:id="rId8"/>
+    <p:sldLayoutId id="2147483912" r:id="rId9"/>
+    <p:sldLayoutId id="2147483913" r:id="rId10"/>
+    <p:sldLayoutId id="2147483914" r:id="rId11"/>
   </p:sldLayoutIdLst>
   <p:txStyles>
     <p:titleStyle>
@@ -9474,9 +9943,10 @@
           </a:bodyPr>
           <a:lstStyle/>
           <a:p>
+            <a:pPr algn="ctr"/>
             <a:r>
               <a:rPr lang="en-US" dirty="0"/>
-              <a:t>Data engineering 1</a:t>
+              <a:t>Data Engineering 1</a:t>
             </a:r>
             <a:br>
               <a:rPr lang="en-US" dirty="0"/>
@@ -9508,7 +9978,7 @@
         </p:nvSpPr>
         <p:spPr>
           <a:xfrm>
-            <a:off x="2658534" y="5338763"/>
+            <a:off x="2068599" y="4994634"/>
             <a:ext cx="9144000" cy="1062037"/>
           </a:xfrm>
           <a:prstGeom prst="rect">
@@ -9553,29 +10023,14 @@
             <a:pPr algn="r"/>
             <a:r>
               <a:rPr lang="en-US" sz="8000" dirty="0"/>
-              <a:t>Muhammad Talha Zahid</a:t>
+              <a:t>Haaris Cheema</a:t>
             </a:r>
           </a:p>
           <a:p>
             <a:pPr algn="r"/>
             <a:r>
               <a:rPr lang="en-US" sz="8000" dirty="0"/>
-              <a:t> </a:t>
-            </a:r>
-            <a:r>
-              <a:rPr lang="en-US" sz="8000" dirty="0" err="1"/>
-              <a:t>Haaris</a:t>
-            </a:r>
-            <a:r>
-              <a:rPr lang="en-US" sz="8000" dirty="0"/>
-              <a:t> Cheema</a:t>
-            </a:r>
-          </a:p>
-          <a:p>
-            <a:pPr algn="r"/>
-            <a:r>
-              <a:rPr lang="en-US" sz="8000" dirty="0"/>
-              <a:t>Sabina Umarova</a:t>
+              <a:t>Muhammad Talha Zahid</a:t>
             </a:r>
           </a:p>
           <a:p>
@@ -9593,6 +10048,54 @@
               <a:t>-Nagy</a:t>
             </a:r>
             <a:endParaRPr lang="en-US" sz="3600" dirty="0"/>
+          </a:p>
+          <a:p>
+            <a:pPr algn="r"/>
+            <a:r>
+              <a:rPr lang="en-US" sz="8000" dirty="0"/>
+              <a:t> Sabina </a:t>
+            </a:r>
+            <a:r>
+              <a:rPr lang="en-US" sz="8000" dirty="0" err="1"/>
+              <a:t>Umarova</a:t>
+            </a:r>
+            <a:endParaRPr lang="en-US" sz="8000" dirty="0"/>
+          </a:p>
+        </p:txBody>
+      </p:sp>
+      <p:sp>
+        <p:nvSpPr>
+          <p:cNvPr id="5" name="TextBox 4">
+            <a:extLst>
+              <a:ext uri="{FF2B5EF4-FFF2-40B4-BE49-F238E27FC236}">
+                <a16:creationId xmlns:a16="http://schemas.microsoft.com/office/drawing/2014/main" id="{D430E3C7-60C6-478E-9E92-D19ADD14D648}"/>
+              </a:ext>
+            </a:extLst>
+          </p:cNvPr>
+          <p:cNvSpPr txBox="1"/>
+          <p:nvPr/>
+        </p:nvSpPr>
+        <p:spPr>
+          <a:xfrm>
+            <a:off x="0" y="6334812"/>
+            <a:ext cx="12192000" cy="523188"/>
+          </a:xfrm>
+          <a:prstGeom prst="rect">
+            <a:avLst/>
+          </a:prstGeom>
+          <a:solidFill>
+            <a:schemeClr val="accent1">
+              <a:lumMod val="50000"/>
+            </a:schemeClr>
+          </a:solidFill>
+        </p:spPr>
+        <p:txBody>
+          <a:bodyPr wrap="square" rtlCol="0">
+            <a:spAutoFit/>
+          </a:bodyPr>
+          <a:lstStyle/>
+          <a:p>
+            <a:endParaRPr lang="en-US" dirty="0"/>
           </a:p>
         </p:txBody>
       </p:sp>
@@ -9645,7 +10148,7 @@
         <p:spPr>
           <a:xfrm>
             <a:off x="457200" y="0"/>
-            <a:ext cx="10515600" cy="1325563"/>
+            <a:ext cx="10515600" cy="648929"/>
           </a:xfrm>
         </p:spPr>
         <p:txBody>
@@ -9727,7 +10230,7 @@
           <p:nvPr>
             <p:extLst>
               <p:ext uri="{D42A27DB-BD31-4B8C-83A1-F6EECF244321}">
-                <p14:modId xmlns:p14="http://schemas.microsoft.com/office/powerpoint/2010/main" val="1358012031"/>
+                <p14:modId xmlns:p14="http://schemas.microsoft.com/office/powerpoint/2010/main" val="3505894803"/>
               </p:ext>
             </p:extLst>
           </p:nvPr>
@@ -9742,6 +10245,42 @@
           </a:graphicData>
         </a:graphic>
       </p:graphicFrame>
+      <p:sp>
+        <p:nvSpPr>
+          <p:cNvPr id="6" name="TextBox 5">
+            <a:extLst>
+              <a:ext uri="{FF2B5EF4-FFF2-40B4-BE49-F238E27FC236}">
+                <a16:creationId xmlns:a16="http://schemas.microsoft.com/office/drawing/2014/main" id="{001CA282-140F-46CB-842C-F97B76754CC1}"/>
+              </a:ext>
+            </a:extLst>
+          </p:cNvPr>
+          <p:cNvSpPr txBox="1"/>
+          <p:nvPr/>
+        </p:nvSpPr>
+        <p:spPr>
+          <a:xfrm>
+            <a:off x="0" y="6334812"/>
+            <a:ext cx="12192000" cy="523188"/>
+          </a:xfrm>
+          <a:prstGeom prst="rect">
+            <a:avLst/>
+          </a:prstGeom>
+          <a:solidFill>
+            <a:schemeClr val="accent1">
+              <a:lumMod val="50000"/>
+            </a:schemeClr>
+          </a:solidFill>
+        </p:spPr>
+        <p:txBody>
+          <a:bodyPr wrap="square" rtlCol="0">
+            <a:spAutoFit/>
+          </a:bodyPr>
+          <a:lstStyle/>
+          <a:p>
+            <a:endParaRPr lang="en-US" dirty="0"/>
+          </a:p>
+        </p:txBody>
+      </p:sp>
     </p:spTree>
     <p:extLst>
       <p:ext uri="{BB962C8B-B14F-4D97-AF65-F5344CB8AC3E}">
@@ -9756,6 +10295,182 @@
 </file>
 
 <file path=ppt/slides/slide3.xml><?xml version="1.0" encoding="utf-8"?>
+<p:sld xmlns:a="http://schemas.openxmlformats.org/drawingml/2006/main" xmlns:r="http://schemas.openxmlformats.org/officeDocument/2006/relationships" xmlns:p="http://schemas.openxmlformats.org/presentationml/2006/main">
+  <p:cSld>
+    <p:bg>
+      <p:bgPr>
+        <a:solidFill>
+          <a:srgbClr val="E2E2E2"/>
+        </a:solidFill>
+        <a:effectLst/>
+      </p:bgPr>
+    </p:bg>
+    <p:spTree>
+      <p:nvGrpSpPr>
+        <p:cNvPr id="1" name=""/>
+        <p:cNvGrpSpPr/>
+        <p:nvPr/>
+      </p:nvGrpSpPr>
+      <p:grpSpPr>
+        <a:xfrm>
+          <a:off x="0" y="0"/>
+          <a:ext cx="0" cy="0"/>
+          <a:chOff x="0" y="0"/>
+          <a:chExt cx="0" cy="0"/>
+        </a:xfrm>
+      </p:grpSpPr>
+      <p:sp>
+        <p:nvSpPr>
+          <p:cNvPr id="2" name="Title 1">
+            <a:extLst>
+              <a:ext uri="{FF2B5EF4-FFF2-40B4-BE49-F238E27FC236}">
+                <a16:creationId xmlns:a16="http://schemas.microsoft.com/office/drawing/2014/main" id="{3B1EC60D-EE52-F840-8731-8834337601EB}"/>
+              </a:ext>
+            </a:extLst>
+          </p:cNvPr>
+          <p:cNvSpPr>
+            <a:spLocks noGrp="1"/>
+          </p:cNvSpPr>
+          <p:nvPr>
+            <p:ph type="title"/>
+          </p:nvPr>
+        </p:nvSpPr>
+        <p:spPr>
+          <a:xfrm>
+            <a:off x="357292" y="-2645"/>
+            <a:ext cx="10515600" cy="634241"/>
+          </a:xfrm>
+        </p:spPr>
+        <p:txBody>
+          <a:bodyPr>
+            <a:normAutofit/>
+          </a:bodyPr>
+          <a:lstStyle/>
+          <a:p>
+            <a:r>
+              <a:rPr lang="en-US" sz="2800" b="1" dirty="0"/>
+              <a:t>MySQL – Suicides data</a:t>
+            </a:r>
+          </a:p>
+        </p:txBody>
+      </p:sp>
+      <p:sp>
+        <p:nvSpPr>
+          <p:cNvPr id="3" name="Content Placeholder 2">
+            <a:extLst>
+              <a:ext uri="{FF2B5EF4-FFF2-40B4-BE49-F238E27FC236}">
+                <a16:creationId xmlns:a16="http://schemas.microsoft.com/office/drawing/2014/main" id="{1FDBF3D7-BE25-CB44-AFA7-9B5CAFF9D7F7}"/>
+              </a:ext>
+            </a:extLst>
+          </p:cNvPr>
+          <p:cNvSpPr>
+            <a:spLocks noGrp="1"/>
+          </p:cNvSpPr>
+          <p:nvPr>
+            <p:ph idx="1"/>
+          </p:nvPr>
+        </p:nvSpPr>
+        <p:spPr>
+          <a:xfrm>
+            <a:off x="187960" y="1081088"/>
+            <a:ext cx="10515600" cy="2657792"/>
+          </a:xfrm>
+        </p:spPr>
+        <p:txBody>
+          <a:bodyPr/>
+          <a:lstStyle/>
+          <a:p>
+            <a:pPr marL="514350" indent="-514350">
+              <a:buAutoNum type="arabicParenR"/>
+            </a:pPr>
+            <a:endParaRPr lang="en-US" dirty="0"/>
+          </a:p>
+          <a:p>
+            <a:pPr marL="514350" indent="-514350">
+              <a:buAutoNum type="arabicParenR"/>
+            </a:pPr>
+            <a:endParaRPr lang="en-US" dirty="0"/>
+          </a:p>
+        </p:txBody>
+      </p:sp>
+      <p:graphicFrame>
+        <p:nvGraphicFramePr>
+          <p:cNvPr id="4" name="Diagram 3">
+            <a:extLst>
+              <a:ext uri="{FF2B5EF4-FFF2-40B4-BE49-F238E27FC236}">
+                <a16:creationId xmlns:a16="http://schemas.microsoft.com/office/drawing/2014/main" id="{5AC6612B-4A9D-034F-9E15-A562B94DC9C2}"/>
+              </a:ext>
+            </a:extLst>
+          </p:cNvPr>
+          <p:cNvGraphicFramePr/>
+          <p:nvPr>
+            <p:extLst>
+              <p:ext uri="{D42A27DB-BD31-4B8C-83A1-F6EECF244321}">
+                <p14:modId xmlns:p14="http://schemas.microsoft.com/office/powerpoint/2010/main" val="1048363204"/>
+              </p:ext>
+            </p:extLst>
+          </p:nvPr>
+        </p:nvGraphicFramePr>
+        <p:xfrm>
+          <a:off x="745066" y="1669310"/>
+          <a:ext cx="10363200" cy="3395133"/>
+        </p:xfrm>
+        <a:graphic>
+          <a:graphicData uri="http://schemas.openxmlformats.org/drawingml/2006/diagram">
+            <dgm:relIds xmlns:dgm="http://schemas.openxmlformats.org/drawingml/2006/diagram" xmlns:r="http://schemas.openxmlformats.org/officeDocument/2006/relationships" r:dm="rId2" r:lo="rId3" r:qs="rId4" r:cs="rId5"/>
+          </a:graphicData>
+        </a:graphic>
+      </p:graphicFrame>
+      <p:sp>
+        <p:nvSpPr>
+          <p:cNvPr id="5" name="TextBox 4">
+            <a:extLst>
+              <a:ext uri="{FF2B5EF4-FFF2-40B4-BE49-F238E27FC236}">
+                <a16:creationId xmlns:a16="http://schemas.microsoft.com/office/drawing/2014/main" id="{CDFB328A-6C2F-462F-8B9A-5E4B1B3EE400}"/>
+              </a:ext>
+            </a:extLst>
+          </p:cNvPr>
+          <p:cNvSpPr txBox="1"/>
+          <p:nvPr/>
+        </p:nvSpPr>
+        <p:spPr>
+          <a:xfrm>
+            <a:off x="0" y="6334812"/>
+            <a:ext cx="12192000" cy="523188"/>
+          </a:xfrm>
+          <a:prstGeom prst="rect">
+            <a:avLst/>
+          </a:prstGeom>
+          <a:solidFill>
+            <a:schemeClr val="accent1">
+              <a:lumMod val="50000"/>
+            </a:schemeClr>
+          </a:solidFill>
+        </p:spPr>
+        <p:txBody>
+          <a:bodyPr wrap="square" rtlCol="0">
+            <a:spAutoFit/>
+          </a:bodyPr>
+          <a:lstStyle/>
+          <a:p>
+            <a:endParaRPr lang="en-US" dirty="0"/>
+          </a:p>
+        </p:txBody>
+      </p:sp>
+    </p:spTree>
+    <p:extLst>
+      <p:ext uri="{BB962C8B-B14F-4D97-AF65-F5344CB8AC3E}">
+        <p14:creationId xmlns:p14="http://schemas.microsoft.com/office/powerpoint/2010/main" val="3165713645"/>
+      </p:ext>
+    </p:extLst>
+  </p:cSld>
+  <p:clrMapOvr>
+    <a:masterClrMapping/>
+  </p:clrMapOvr>
+</p:sld>
+</file>
+
+<file path=ppt/slides/slide4.xml><?xml version="1.0" encoding="utf-8"?>
 <p:sld xmlns:a="http://schemas.openxmlformats.org/drawingml/2006/main" xmlns:r="http://schemas.openxmlformats.org/officeDocument/2006/relationships" xmlns:p="http://schemas.openxmlformats.org/presentationml/2006/main">
   <p:cSld>
     <p:spTree>
@@ -9791,7 +10506,7 @@
         <p:spPr>
           <a:xfrm>
             <a:off x="279399" y="0"/>
-            <a:ext cx="10515600" cy="1325563"/>
+            <a:ext cx="10515600" cy="646331"/>
           </a:xfrm>
         </p:spPr>
         <p:txBody>
@@ -9970,7 +10685,7 @@
           </a:prstGeom>
           <a:ln w="34925">
             <a:solidFill>
-              <a:srgbClr val="FFFF00"/>
+              <a:srgbClr val="FF9933"/>
             </a:solidFill>
           </a:ln>
         </p:spPr>
@@ -9993,7 +10708,11 @@
           <a:lstStyle/>
           <a:p>
             <a:pPr algn="ctr"/>
-            <a:endParaRPr lang="en-US"/>
+            <a:endParaRPr lang="en-US">
+              <a:solidFill>
+                <a:srgbClr val="FF9933"/>
+              </a:solidFill>
+            </a:endParaRPr>
           </a:p>
         </p:txBody>
       </p:sp>
@@ -10643,7 +11362,7 @@
         </p:nvSpPr>
         <p:spPr>
           <a:xfrm>
-            <a:off x="1772497" y="1001102"/>
+            <a:off x="1841321" y="1128918"/>
             <a:ext cx="1524847" cy="646331"/>
           </a:xfrm>
           <a:prstGeom prst="rect">
@@ -10661,7 +11380,7 @@
             <a:r>
               <a:rPr lang="en-US" dirty="0">
                 <a:solidFill>
-                  <a:srgbClr val="FFFF00"/>
+                  <a:srgbClr val="FF9933"/>
                 </a:solidFill>
               </a:rPr>
               <a:t>version of the indicators API</a:t>
@@ -10919,6 +11638,42 @@
           </a:p>
         </p:txBody>
       </p:sp>
+      <p:sp>
+        <p:nvSpPr>
+          <p:cNvPr id="29" name="TextBox 28">
+            <a:extLst>
+              <a:ext uri="{FF2B5EF4-FFF2-40B4-BE49-F238E27FC236}">
+                <a16:creationId xmlns:a16="http://schemas.microsoft.com/office/drawing/2014/main" id="{2497EB05-966D-4289-B68D-CE1919384CA3}"/>
+              </a:ext>
+            </a:extLst>
+          </p:cNvPr>
+          <p:cNvSpPr txBox="1"/>
+          <p:nvPr/>
+        </p:nvSpPr>
+        <p:spPr>
+          <a:xfrm>
+            <a:off x="0" y="6334812"/>
+            <a:ext cx="12192000" cy="523188"/>
+          </a:xfrm>
+          <a:prstGeom prst="rect">
+            <a:avLst/>
+          </a:prstGeom>
+          <a:solidFill>
+            <a:schemeClr val="accent1">
+              <a:lumMod val="50000"/>
+            </a:schemeClr>
+          </a:solidFill>
+        </p:spPr>
+        <p:txBody>
+          <a:bodyPr wrap="square" rtlCol="0">
+            <a:spAutoFit/>
+          </a:bodyPr>
+          <a:lstStyle/>
+          <a:p>
+            <a:endParaRPr lang="en-US" dirty="0"/>
+          </a:p>
+        </p:txBody>
+      </p:sp>
     </p:spTree>
     <p:extLst>
       <p:ext uri="{BB962C8B-B14F-4D97-AF65-F5344CB8AC3E}">
@@ -10932,7 +11687,7 @@
 </p:sld>
 </file>
 
-<file path=ppt/slides/slide4.xml><?xml version="1.0" encoding="utf-8"?>
+<file path=ppt/slides/slide5.xml><?xml version="1.0" encoding="utf-8"?>
 <p:sld xmlns:a="http://schemas.openxmlformats.org/drawingml/2006/main" xmlns:r="http://schemas.openxmlformats.org/officeDocument/2006/relationships" xmlns:p="http://schemas.openxmlformats.org/presentationml/2006/main">
   <p:cSld>
     <p:spTree>
@@ -10949,41 +11704,6 @@
           <a:chExt cx="0" cy="0"/>
         </a:xfrm>
       </p:grpSpPr>
-      <p:sp>
-        <p:nvSpPr>
-          <p:cNvPr id="2" name="Title 1">
-            <a:extLst>
-              <a:ext uri="{FF2B5EF4-FFF2-40B4-BE49-F238E27FC236}">
-                <a16:creationId xmlns:a16="http://schemas.microsoft.com/office/drawing/2014/main" id="{AB57B96A-9521-CD4B-BDDE-9D665E1D3F2C}"/>
-              </a:ext>
-            </a:extLst>
-          </p:cNvPr>
-          <p:cNvSpPr>
-            <a:spLocks noGrp="1"/>
-          </p:cNvSpPr>
-          <p:nvPr>
-            <p:ph type="title"/>
-          </p:nvPr>
-        </p:nvSpPr>
-        <p:spPr>
-          <a:xfrm>
-            <a:off x="397933" y="0"/>
-            <a:ext cx="10515600" cy="1325563"/>
-          </a:xfrm>
-        </p:spPr>
-        <p:txBody>
-          <a:bodyPr>
-            <a:normAutofit/>
-          </a:bodyPr>
-          <a:lstStyle/>
-          <a:p>
-            <a:r>
-              <a:rPr lang="en-US" sz="3000" b="1" dirty="0"/>
-              <a:t>World Bank API – Postman result</a:t>
-            </a:r>
-          </a:p>
-        </p:txBody>
-      </p:sp>
       <p:pic>
         <p:nvPicPr>
           <p:cNvPr id="4" name="Picture 3">
@@ -11010,7 +11730,7 @@
         </p:blipFill>
         <p:spPr>
           <a:xfrm>
-            <a:off x="397932" y="910800"/>
+            <a:off x="1748366" y="649469"/>
             <a:ext cx="8695267" cy="5388399"/>
           </a:xfrm>
           <a:prstGeom prst="rect">
@@ -11018,176 +11738,83 @@
           </a:prstGeom>
         </p:spPr>
       </p:pic>
-      <p:pic>
-        <p:nvPicPr>
-          <p:cNvPr id="5" name="Picture 4">
+      <p:sp>
+        <p:nvSpPr>
+          <p:cNvPr id="3" name="TextBox 2">
             <a:extLst>
               <a:ext uri="{FF2B5EF4-FFF2-40B4-BE49-F238E27FC236}">
-                <a16:creationId xmlns:a16="http://schemas.microsoft.com/office/drawing/2014/main" id="{4F3DB3BC-E954-C540-9222-CD0F2030C1F6}"/>
+                <a16:creationId xmlns:a16="http://schemas.microsoft.com/office/drawing/2014/main" id="{969E5AB7-4731-4427-B88E-C1895D63A366}"/>
               </a:ext>
             </a:extLst>
           </p:cNvPr>
-          <p:cNvPicPr/>
+          <p:cNvSpPr txBox="1"/>
           <p:nvPr/>
-        </p:nvPicPr>
-        <p:blipFill>
-          <a:blip r:embed="rId2">
-            <a:extLst>
-              <a:ext uri="{28A0092B-C50C-407E-A947-70E740481C1C}">
-                <a14:useLocalDpi xmlns:a14="http://schemas.microsoft.com/office/drawing/2010/main" val="0"/>
-              </a:ext>
-            </a:extLst>
-          </a:blip>
-          <a:stretch>
-            <a:fillRect/>
-          </a:stretch>
-        </p:blipFill>
+        </p:nvSpPr>
         <p:spPr>
           <a:xfrm>
-            <a:off x="397934" y="1012400"/>
-            <a:ext cx="8322734" cy="5286799"/>
+            <a:off x="282804" y="29003"/>
+            <a:ext cx="10426046" cy="553998"/>
           </a:xfrm>
           <a:prstGeom prst="rect">
             <a:avLst/>
           </a:prstGeom>
+          <a:noFill/>
         </p:spPr>
-      </p:pic>
+        <p:txBody>
+          <a:bodyPr wrap="square" rtlCol="0">
+            <a:spAutoFit/>
+          </a:bodyPr>
+          <a:lstStyle/>
+          <a:p>
+            <a:r>
+              <a:rPr lang="en-US" sz="3000" b="1" dirty="0">
+                <a:latin typeface="+mj-lt"/>
+              </a:rPr>
+              <a:t>World Bank API – Postman Result</a:t>
+            </a:r>
+          </a:p>
+        </p:txBody>
+      </p:sp>
+      <p:sp>
+        <p:nvSpPr>
+          <p:cNvPr id="8" name="TextBox 7">
+            <a:extLst>
+              <a:ext uri="{FF2B5EF4-FFF2-40B4-BE49-F238E27FC236}">
+                <a16:creationId xmlns:a16="http://schemas.microsoft.com/office/drawing/2014/main" id="{693566AF-1BB4-4867-8FEE-87CFECCF9382}"/>
+              </a:ext>
+            </a:extLst>
+          </p:cNvPr>
+          <p:cNvSpPr txBox="1"/>
+          <p:nvPr/>
+        </p:nvSpPr>
+        <p:spPr>
+          <a:xfrm>
+            <a:off x="0" y="6334812"/>
+            <a:ext cx="12192000" cy="523188"/>
+          </a:xfrm>
+          <a:prstGeom prst="rect">
+            <a:avLst/>
+          </a:prstGeom>
+          <a:solidFill>
+            <a:schemeClr val="accent1">
+              <a:lumMod val="50000"/>
+            </a:schemeClr>
+          </a:solidFill>
+        </p:spPr>
+        <p:txBody>
+          <a:bodyPr wrap="square" rtlCol="0">
+            <a:spAutoFit/>
+          </a:bodyPr>
+          <a:lstStyle/>
+          <a:p>
+            <a:endParaRPr lang="en-US" dirty="0"/>
+          </a:p>
+        </p:txBody>
+      </p:sp>
     </p:spTree>
     <p:extLst>
       <p:ext uri="{BB962C8B-B14F-4D97-AF65-F5344CB8AC3E}">
         <p14:creationId xmlns:p14="http://schemas.microsoft.com/office/powerpoint/2010/main" val="1058864871"/>
-      </p:ext>
-    </p:extLst>
-  </p:cSld>
-  <p:clrMapOvr>
-    <a:masterClrMapping/>
-  </p:clrMapOvr>
-</p:sld>
-</file>
-
-<file path=ppt/slides/slide5.xml><?xml version="1.0" encoding="utf-8"?>
-<p:sld xmlns:a="http://schemas.openxmlformats.org/drawingml/2006/main" xmlns:r="http://schemas.openxmlformats.org/officeDocument/2006/relationships" xmlns:p="http://schemas.openxmlformats.org/presentationml/2006/main">
-  <p:cSld>
-    <p:spTree>
-      <p:nvGrpSpPr>
-        <p:cNvPr id="1" name=""/>
-        <p:cNvGrpSpPr/>
-        <p:nvPr/>
-      </p:nvGrpSpPr>
-      <p:grpSpPr>
-        <a:xfrm>
-          <a:off x="0" y="0"/>
-          <a:ext cx="0" cy="0"/>
-          <a:chOff x="0" y="0"/>
-          <a:chExt cx="0" cy="0"/>
-        </a:xfrm>
-      </p:grpSpPr>
-      <p:sp>
-        <p:nvSpPr>
-          <p:cNvPr id="2" name="Title 1">
-            <a:extLst>
-              <a:ext uri="{FF2B5EF4-FFF2-40B4-BE49-F238E27FC236}">
-                <a16:creationId xmlns:a16="http://schemas.microsoft.com/office/drawing/2014/main" id="{3B1EC60D-EE52-F840-8731-8834337601EB}"/>
-              </a:ext>
-            </a:extLst>
-          </p:cNvPr>
-          <p:cNvSpPr>
-            <a:spLocks noGrp="1"/>
-          </p:cNvSpPr>
-          <p:nvPr>
-            <p:ph type="title"/>
-          </p:nvPr>
-        </p:nvSpPr>
-        <p:spPr>
-          <a:xfrm>
-            <a:off x="357292" y="-2645"/>
-            <a:ext cx="10515600" cy="1325563"/>
-          </a:xfrm>
-        </p:spPr>
-        <p:txBody>
-          <a:bodyPr>
-            <a:normAutofit/>
-          </a:bodyPr>
-          <a:lstStyle/>
-          <a:p>
-            <a:r>
-              <a:rPr lang="en-US" sz="2800" b="1" dirty="0"/>
-              <a:t>MySQL – Suicides data</a:t>
-            </a:r>
-          </a:p>
-        </p:txBody>
-      </p:sp>
-      <p:sp>
-        <p:nvSpPr>
-          <p:cNvPr id="3" name="Content Placeholder 2">
-            <a:extLst>
-              <a:ext uri="{FF2B5EF4-FFF2-40B4-BE49-F238E27FC236}">
-                <a16:creationId xmlns:a16="http://schemas.microsoft.com/office/drawing/2014/main" id="{1FDBF3D7-BE25-CB44-AFA7-9B5CAFF9D7F7}"/>
-              </a:ext>
-            </a:extLst>
-          </p:cNvPr>
-          <p:cNvSpPr>
-            <a:spLocks noGrp="1"/>
-          </p:cNvSpPr>
-          <p:nvPr>
-            <p:ph idx="1"/>
-          </p:nvPr>
-        </p:nvSpPr>
-        <p:spPr>
-          <a:xfrm>
-            <a:off x="187960" y="1081088"/>
-            <a:ext cx="10515600" cy="2657792"/>
-          </a:xfrm>
-        </p:spPr>
-        <p:txBody>
-          <a:bodyPr/>
-          <a:lstStyle/>
-          <a:p>
-            <a:pPr marL="514350" indent="-514350">
-              <a:buAutoNum type="arabicParenR"/>
-            </a:pPr>
-            <a:endParaRPr lang="en-US" dirty="0"/>
-          </a:p>
-          <a:p>
-            <a:pPr marL="514350" indent="-514350">
-              <a:buAutoNum type="arabicParenR"/>
-            </a:pPr>
-            <a:endParaRPr lang="en-US" dirty="0"/>
-          </a:p>
-        </p:txBody>
-      </p:sp>
-      <p:graphicFrame>
-        <p:nvGraphicFramePr>
-          <p:cNvPr id="4" name="Diagram 3">
-            <a:extLst>
-              <a:ext uri="{FF2B5EF4-FFF2-40B4-BE49-F238E27FC236}">
-                <a16:creationId xmlns:a16="http://schemas.microsoft.com/office/drawing/2014/main" id="{5AC6612B-4A9D-034F-9E15-A562B94DC9C2}"/>
-              </a:ext>
-            </a:extLst>
-          </p:cNvPr>
-          <p:cNvGraphicFramePr/>
-          <p:nvPr>
-            <p:extLst>
-              <p:ext uri="{D42A27DB-BD31-4B8C-83A1-F6EECF244321}">
-                <p14:modId xmlns:p14="http://schemas.microsoft.com/office/powerpoint/2010/main" val="1048363204"/>
-              </p:ext>
-            </p:extLst>
-          </p:nvPr>
-        </p:nvGraphicFramePr>
-        <p:xfrm>
-          <a:off x="745066" y="1669310"/>
-          <a:ext cx="10363200" cy="3395133"/>
-        </p:xfrm>
-        <a:graphic>
-          <a:graphicData uri="http://schemas.openxmlformats.org/drawingml/2006/diagram">
-            <dgm:relIds xmlns:dgm="http://schemas.openxmlformats.org/drawingml/2006/diagram" xmlns:r="http://schemas.openxmlformats.org/officeDocument/2006/relationships" r:dm="rId2" r:lo="rId3" r:qs="rId4" r:cs="rId5"/>
-          </a:graphicData>
-        </a:graphic>
-      </p:graphicFrame>
-    </p:spTree>
-    <p:extLst>
-      <p:ext uri="{BB962C8B-B14F-4D97-AF65-F5344CB8AC3E}">
-        <p14:creationId xmlns:p14="http://schemas.microsoft.com/office/powerpoint/2010/main" val="3165713645"/>
       </p:ext>
     </p:extLst>
   </p:cSld>
@@ -11232,8 +11859,8 @@
         </p:nvSpPr>
         <p:spPr>
           <a:xfrm>
-            <a:off x="310446" y="432859"/>
-            <a:ext cx="10515600" cy="498475"/>
+            <a:off x="310446" y="167149"/>
+            <a:ext cx="10515600" cy="464447"/>
           </a:xfrm>
         </p:spPr>
         <p:txBody>
@@ -11243,11 +11870,19 @@
           <a:lstStyle/>
           <a:p>
             <a:r>
-              <a:rPr lang="en-US" sz="3000" b="1" dirty="0" err="1"/>
+              <a:rPr lang="en-US" sz="3000" b="1" dirty="0" err="1">
+                <a:solidFill>
+                  <a:schemeClr val="tx1"/>
+                </a:solidFill>
+              </a:rPr>
               <a:t>Knime</a:t>
             </a:r>
             <a:r>
-              <a:rPr lang="en-US" sz="3000" b="1" dirty="0"/>
+              <a:rPr lang="en-US" sz="3000" b="1" dirty="0">
+                <a:solidFill>
+                  <a:schemeClr val="tx1"/>
+                </a:solidFill>
+              </a:rPr>
               <a:t> Workflow</a:t>
             </a:r>
           </a:p>
@@ -11282,6 +11917,42 @@
           </a:xfrm>
         </p:spPr>
       </p:pic>
+      <p:sp>
+        <p:nvSpPr>
+          <p:cNvPr id="4" name="TextBox 3">
+            <a:extLst>
+              <a:ext uri="{FF2B5EF4-FFF2-40B4-BE49-F238E27FC236}">
+                <a16:creationId xmlns:a16="http://schemas.microsoft.com/office/drawing/2014/main" id="{44A75788-FB8B-46D9-BAB6-B39EC78E8D62}"/>
+              </a:ext>
+            </a:extLst>
+          </p:cNvPr>
+          <p:cNvSpPr txBox="1"/>
+          <p:nvPr/>
+        </p:nvSpPr>
+        <p:spPr>
+          <a:xfrm>
+            <a:off x="0" y="6334812"/>
+            <a:ext cx="12192000" cy="523188"/>
+          </a:xfrm>
+          <a:prstGeom prst="rect">
+            <a:avLst/>
+          </a:prstGeom>
+          <a:solidFill>
+            <a:schemeClr val="accent1">
+              <a:lumMod val="50000"/>
+            </a:schemeClr>
+          </a:solidFill>
+        </p:spPr>
+        <p:txBody>
+          <a:bodyPr wrap="square" rtlCol="0">
+            <a:spAutoFit/>
+          </a:bodyPr>
+          <a:lstStyle/>
+          <a:p>
+            <a:endParaRPr lang="en-US" dirty="0"/>
+          </a:p>
+        </p:txBody>
+      </p:sp>
     </p:spTree>
     <p:extLst>
       <p:ext uri="{BB962C8B-B14F-4D97-AF65-F5344CB8AC3E}">
@@ -11330,29 +12001,467 @@
         </p:nvSpPr>
         <p:spPr>
           <a:xfrm>
-            <a:off x="262467" y="229658"/>
-            <a:ext cx="10515600" cy="1325563"/>
+            <a:off x="262467" y="229659"/>
+            <a:ext cx="10515600" cy="370173"/>
           </a:xfrm>
         </p:spPr>
         <p:txBody>
           <a:bodyPr>
-            <a:normAutofit/>
+            <a:noAutofit/>
           </a:bodyPr>
           <a:lstStyle/>
           <a:p>
             <a:r>
-              <a:rPr lang="en-US" sz="3000" b="1" dirty="0"/>
-              <a:t>Analytics </a:t>
+              <a:rPr lang="en-US" sz="3000" b="1" dirty="0">
+                <a:solidFill>
+                  <a:schemeClr val="tx1"/>
+                </a:solidFill>
+              </a:rPr>
+              <a:t>Regressing GDP per capita against suicide mortality</a:t>
+            </a:r>
+          </a:p>
+        </p:txBody>
+      </p:sp>
+      <p:pic>
+        <p:nvPicPr>
+          <p:cNvPr id="10" name="Picture 9">
+            <a:extLst>
+              <a:ext uri="{FF2B5EF4-FFF2-40B4-BE49-F238E27FC236}">
+                <a16:creationId xmlns:a16="http://schemas.microsoft.com/office/drawing/2014/main" id="{104EB085-021D-407A-9B5A-B0A01830C67A}"/>
+              </a:ext>
+            </a:extLst>
+          </p:cNvPr>
+          <p:cNvPicPr>
+            <a:picLocks noChangeAspect="1"/>
+          </p:cNvPicPr>
+          <p:nvPr/>
+        </p:nvPicPr>
+        <p:blipFill>
+          <a:blip r:embed="rId2"/>
+          <a:stretch>
+            <a:fillRect/>
+          </a:stretch>
+        </p:blipFill>
+        <p:spPr>
+          <a:xfrm>
+            <a:off x="423894" y="2129149"/>
+            <a:ext cx="11061139" cy="4148098"/>
+          </a:xfrm>
+          <a:prstGeom prst="rect">
+            <a:avLst/>
+          </a:prstGeom>
+        </p:spPr>
+      </p:pic>
+      <p:graphicFrame>
+        <p:nvGraphicFramePr>
+          <p:cNvPr id="11" name="Table 5">
+            <a:extLst>
+              <a:ext uri="{FF2B5EF4-FFF2-40B4-BE49-F238E27FC236}">
+                <a16:creationId xmlns:a16="http://schemas.microsoft.com/office/drawing/2014/main" id="{1AC39C33-68C5-4872-9290-0F8F6C43695F}"/>
+              </a:ext>
+            </a:extLst>
+          </p:cNvPr>
+          <p:cNvGraphicFramePr>
+            <a:graphicFrameLocks/>
+          </p:cNvGraphicFramePr>
+          <p:nvPr>
+            <p:extLst>
+              <p:ext uri="{D42A27DB-BD31-4B8C-83A1-F6EECF244321}">
+                <p14:modId xmlns:p14="http://schemas.microsoft.com/office/powerpoint/2010/main" val="1956525359"/>
+              </p:ext>
+            </p:extLst>
+          </p:nvPr>
+        </p:nvGraphicFramePr>
+        <p:xfrm>
+          <a:off x="580966" y="986692"/>
+          <a:ext cx="10904067" cy="1112520"/>
+        </p:xfrm>
+        <a:graphic>
+          <a:graphicData uri="http://schemas.openxmlformats.org/drawingml/2006/table">
+            <a:tbl>
+              <a:tblPr firstRow="1" bandRow="1">
+                <a:tableStyleId>{D113A9D2-9D6B-4929-AA2D-F23B5EE8CBE7}</a:tableStyleId>
+              </a:tblPr>
+              <a:tblGrid>
+                <a:gridCol w="2196674">
+                  <a:extLst>
+                    <a:ext uri="{9D8B030D-6E8A-4147-A177-3AD203B41FA5}">
+                      <a16:colId xmlns:a16="http://schemas.microsoft.com/office/drawing/2014/main" val="6736470"/>
+                    </a:ext>
+                  </a:extLst>
+                </a:gridCol>
+                <a:gridCol w="2196674">
+                  <a:extLst>
+                    <a:ext uri="{9D8B030D-6E8A-4147-A177-3AD203B41FA5}">
+                      <a16:colId xmlns:a16="http://schemas.microsoft.com/office/drawing/2014/main" val="1841359124"/>
+                    </a:ext>
+                  </a:extLst>
+                </a:gridCol>
+                <a:gridCol w="2196674">
+                  <a:extLst>
+                    <a:ext uri="{9D8B030D-6E8A-4147-A177-3AD203B41FA5}">
+                      <a16:colId xmlns:a16="http://schemas.microsoft.com/office/drawing/2014/main" val="2419452790"/>
+                    </a:ext>
+                  </a:extLst>
+                </a:gridCol>
+                <a:gridCol w="2196674">
+                  <a:extLst>
+                    <a:ext uri="{9D8B030D-6E8A-4147-A177-3AD203B41FA5}">
+                      <a16:colId xmlns:a16="http://schemas.microsoft.com/office/drawing/2014/main" val="4130579839"/>
+                    </a:ext>
+                  </a:extLst>
+                </a:gridCol>
+                <a:gridCol w="2117371">
+                  <a:extLst>
+                    <a:ext uri="{9D8B030D-6E8A-4147-A177-3AD203B41FA5}">
+                      <a16:colId xmlns:a16="http://schemas.microsoft.com/office/drawing/2014/main" val="2646439775"/>
+                    </a:ext>
+                  </a:extLst>
+                </a:gridCol>
+              </a:tblGrid>
+              <a:tr h="370840">
+                <a:tc>
+                  <a:txBody>
+                    <a:bodyPr/>
+                    <a:lstStyle/>
+                    <a:p>
+                      <a:pPr algn="ctr"/>
+                      <a:r>
+                        <a:rPr lang="en-US" dirty="0"/>
+                        <a:t>Variable</a:t>
+                      </a:r>
+                    </a:p>
+                  </a:txBody>
+                  <a:tcPr/>
+                </a:tc>
+                <a:tc>
+                  <a:txBody>
+                    <a:bodyPr/>
+                    <a:lstStyle/>
+                    <a:p>
+                      <a:pPr algn="ctr"/>
+                      <a:r>
+                        <a:rPr lang="en-US" dirty="0"/>
+                        <a:t>Coefficient</a:t>
+                      </a:r>
+                    </a:p>
+                  </a:txBody>
+                  <a:tcPr/>
+                </a:tc>
+                <a:tc>
+                  <a:txBody>
+                    <a:bodyPr/>
+                    <a:lstStyle/>
+                    <a:p>
+                      <a:pPr algn="ctr"/>
+                      <a:r>
+                        <a:rPr lang="en-US" dirty="0"/>
+                        <a:t>Standard Error</a:t>
+                      </a:r>
+                    </a:p>
+                  </a:txBody>
+                  <a:tcPr/>
+                </a:tc>
+                <a:tc>
+                  <a:txBody>
+                    <a:bodyPr/>
+                    <a:lstStyle/>
+                    <a:p>
+                      <a:pPr algn="ctr"/>
+                      <a:r>
+                        <a:rPr lang="en-US" dirty="0"/>
+                        <a:t>t - value</a:t>
+                      </a:r>
+                    </a:p>
+                  </a:txBody>
+                  <a:tcPr/>
+                </a:tc>
+                <a:tc>
+                  <a:txBody>
+                    <a:bodyPr/>
+                    <a:lstStyle/>
+                    <a:p>
+                      <a:pPr algn="ctr"/>
+                      <a:r>
+                        <a:rPr lang="en-US" dirty="0"/>
+                        <a:t>p - value</a:t>
+                      </a:r>
+                    </a:p>
+                  </a:txBody>
+                  <a:tcPr/>
+                </a:tc>
+                <a:extLst>
+                  <a:ext uri="{0D108BD9-81ED-4DB2-BD59-A6C34878D82A}">
+                    <a16:rowId xmlns:a16="http://schemas.microsoft.com/office/drawing/2014/main" val="3451917090"/>
+                  </a:ext>
+                </a:extLst>
+              </a:tr>
+              <a:tr h="370840">
+                <a:tc>
+                  <a:txBody>
+                    <a:bodyPr/>
+                    <a:lstStyle/>
+                    <a:p>
+                      <a:pPr algn="ctr"/>
+                      <a:r>
+                        <a:rPr lang="en-US" sz="1400" dirty="0" err="1"/>
+                        <a:t>log_GDP</a:t>
+                      </a:r>
+                      <a:endParaRPr lang="en-US" sz="1400" dirty="0"/>
+                    </a:p>
+                  </a:txBody>
+                  <a:tcPr/>
+                </a:tc>
+                <a:tc>
+                  <a:txBody>
+                    <a:bodyPr/>
+                    <a:lstStyle/>
+                    <a:p>
+                      <a:pPr algn="ctr"/>
+                      <a:r>
+                        <a:rPr lang="en-US" sz="1400" dirty="0"/>
+                        <a:t>0.73</a:t>
+                      </a:r>
+                    </a:p>
+                  </a:txBody>
+                  <a:tcPr anchor="ctr"/>
+                </a:tc>
+                <a:tc>
+                  <a:txBody>
+                    <a:bodyPr/>
+                    <a:lstStyle/>
+                    <a:p>
+                      <a:pPr algn="ctr"/>
+                      <a:r>
+                        <a:rPr lang="en-US" sz="1400" dirty="0"/>
+                        <a:t>0.44</a:t>
+                      </a:r>
+                    </a:p>
+                  </a:txBody>
+                  <a:tcPr anchor="ctr"/>
+                </a:tc>
+                <a:tc>
+                  <a:txBody>
+                    <a:bodyPr/>
+                    <a:lstStyle/>
+                    <a:p>
+                      <a:pPr algn="ctr"/>
+                      <a:r>
+                        <a:rPr lang="en-US" sz="1400" dirty="0"/>
+                        <a:t>1.67</a:t>
+                      </a:r>
+                    </a:p>
+                  </a:txBody>
+                  <a:tcPr anchor="ctr"/>
+                </a:tc>
+                <a:tc>
+                  <a:txBody>
+                    <a:bodyPr/>
+                    <a:lstStyle/>
+                    <a:p>
+                      <a:pPr algn="ctr"/>
+                      <a:r>
+                        <a:rPr lang="en-US" sz="1400" dirty="0"/>
+                        <a:t>0.096</a:t>
+                      </a:r>
+                    </a:p>
+                  </a:txBody>
+                  <a:tcPr anchor="ctr"/>
+                </a:tc>
+                <a:extLst>
+                  <a:ext uri="{0D108BD9-81ED-4DB2-BD59-A6C34878D82A}">
+                    <a16:rowId xmlns:a16="http://schemas.microsoft.com/office/drawing/2014/main" val="1703117611"/>
+                  </a:ext>
+                </a:extLst>
+              </a:tr>
+              <a:tr h="370840">
+                <a:tc>
+                  <a:txBody>
+                    <a:bodyPr/>
+                    <a:lstStyle/>
+                    <a:p>
+                      <a:pPr algn="ctr"/>
+                      <a:r>
+                        <a:rPr lang="en-US" sz="1400" dirty="0"/>
+                        <a:t>Intercept</a:t>
+                      </a:r>
+                    </a:p>
+                  </a:txBody>
+                  <a:tcPr/>
+                </a:tc>
+                <a:tc>
+                  <a:txBody>
+                    <a:bodyPr/>
+                    <a:lstStyle/>
+                    <a:p>
+                      <a:pPr algn="ctr"/>
+                      <a:r>
+                        <a:rPr lang="en-US" sz="1400" dirty="0"/>
+                        <a:t>3.21</a:t>
+                      </a:r>
+                    </a:p>
+                  </a:txBody>
+                  <a:tcPr anchor="ctr"/>
+                </a:tc>
+                <a:tc>
+                  <a:txBody>
+                    <a:bodyPr/>
+                    <a:lstStyle/>
+                    <a:p>
+                      <a:pPr algn="ctr"/>
+                      <a:r>
+                        <a:rPr lang="en-US" sz="1400" dirty="0"/>
+                        <a:t>3.85</a:t>
+                      </a:r>
+                    </a:p>
+                  </a:txBody>
+                  <a:tcPr anchor="ctr"/>
+                </a:tc>
+                <a:tc>
+                  <a:txBody>
+                    <a:bodyPr/>
+                    <a:lstStyle/>
+                    <a:p>
+                      <a:pPr algn="ctr"/>
+                      <a:r>
+                        <a:rPr lang="en-US" sz="1400" dirty="0"/>
+                        <a:t>0.83</a:t>
+                      </a:r>
+                    </a:p>
+                  </a:txBody>
+                  <a:tcPr anchor="ctr"/>
+                </a:tc>
+                <a:tc>
+                  <a:txBody>
+                    <a:bodyPr/>
+                    <a:lstStyle/>
+                    <a:p>
+                      <a:pPr algn="ctr"/>
+                      <a:r>
+                        <a:rPr lang="en-US" sz="1400" dirty="0"/>
+                        <a:t>0.406</a:t>
+                      </a:r>
+                    </a:p>
+                  </a:txBody>
+                  <a:tcPr anchor="ctr"/>
+                </a:tc>
+                <a:extLst>
+                  <a:ext uri="{0D108BD9-81ED-4DB2-BD59-A6C34878D82A}">
+                    <a16:rowId xmlns:a16="http://schemas.microsoft.com/office/drawing/2014/main" val="1131649808"/>
+                  </a:ext>
+                </a:extLst>
+              </a:tr>
+            </a:tbl>
+          </a:graphicData>
+        </a:graphic>
+      </p:graphicFrame>
+      <p:sp>
+        <p:nvSpPr>
+          <p:cNvPr id="12" name="TextBox 11">
+            <a:extLst>
+              <a:ext uri="{FF2B5EF4-FFF2-40B4-BE49-F238E27FC236}">
+                <a16:creationId xmlns:a16="http://schemas.microsoft.com/office/drawing/2014/main" id="{B4C89919-2579-4D7B-969A-DFC6203A1412}"/>
+              </a:ext>
+            </a:extLst>
+          </p:cNvPr>
+          <p:cNvSpPr txBox="1"/>
+          <p:nvPr/>
+        </p:nvSpPr>
+        <p:spPr>
+          <a:xfrm>
+            <a:off x="549897" y="629769"/>
+            <a:ext cx="11061138" cy="369332"/>
+          </a:xfrm>
+          <a:prstGeom prst="rect">
+            <a:avLst/>
+          </a:prstGeom>
+          <a:noFill/>
+        </p:spPr>
+        <p:txBody>
+          <a:bodyPr wrap="square" rtlCol="0">
+            <a:spAutoFit/>
+          </a:bodyPr>
+          <a:lstStyle/>
+          <a:p>
+            <a:r>
+              <a:rPr lang="en-US" dirty="0"/>
+              <a:t>Log – Level Regression (Regress suicide rate on GDP per capita) [R-Squared: 0.0163] </a:t>
             </a:r>
           </a:p>
         </p:txBody>
       </p:sp>
       <p:sp>
         <p:nvSpPr>
-          <p:cNvPr id="3" name="Content Placeholder 2">
+          <p:cNvPr id="15" name="TextBox 14">
             <a:extLst>
               <a:ext uri="{FF2B5EF4-FFF2-40B4-BE49-F238E27FC236}">
-                <a16:creationId xmlns:a16="http://schemas.microsoft.com/office/drawing/2014/main" id="{88EDB490-5A38-B240-8064-160651CD0535}"/>
+                <a16:creationId xmlns:a16="http://schemas.microsoft.com/office/drawing/2014/main" id="{99BE61BB-AA3A-4B24-B1EB-EE8A2740517A}"/>
+              </a:ext>
+            </a:extLst>
+          </p:cNvPr>
+          <p:cNvSpPr txBox="1"/>
+          <p:nvPr/>
+        </p:nvSpPr>
+        <p:spPr>
+          <a:xfrm>
+            <a:off x="0" y="6334812"/>
+            <a:ext cx="12192000" cy="523188"/>
+          </a:xfrm>
+          <a:prstGeom prst="rect">
+            <a:avLst/>
+          </a:prstGeom>
+          <a:solidFill>
+            <a:schemeClr val="accent1">
+              <a:lumMod val="50000"/>
+            </a:schemeClr>
+          </a:solidFill>
+        </p:spPr>
+        <p:txBody>
+          <a:bodyPr wrap="square" rtlCol="0">
+            <a:spAutoFit/>
+          </a:bodyPr>
+          <a:lstStyle/>
+          <a:p>
+            <a:endParaRPr lang="en-US" dirty="0"/>
+          </a:p>
+        </p:txBody>
+      </p:sp>
+    </p:spTree>
+    <p:extLst>
+      <p:ext uri="{BB962C8B-B14F-4D97-AF65-F5344CB8AC3E}">
+        <p14:creationId xmlns:p14="http://schemas.microsoft.com/office/powerpoint/2010/main" val="2675694895"/>
+      </p:ext>
+    </p:extLst>
+  </p:cSld>
+  <p:clrMapOvr>
+    <a:masterClrMapping/>
+  </p:clrMapOvr>
+</p:sld>
+</file>
+
+<file path=ppt/slides/slide8.xml><?xml version="1.0" encoding="utf-8"?>
+<p:sld xmlns:a="http://schemas.openxmlformats.org/drawingml/2006/main" xmlns:r="http://schemas.openxmlformats.org/officeDocument/2006/relationships" xmlns:p="http://schemas.openxmlformats.org/presentationml/2006/main">
+  <p:cSld>
+    <p:spTree>
+      <p:nvGrpSpPr>
+        <p:cNvPr id="1" name=""/>
+        <p:cNvGrpSpPr/>
+        <p:nvPr/>
+      </p:nvGrpSpPr>
+      <p:grpSpPr>
+        <a:xfrm>
+          <a:off x="0" y="0"/>
+          <a:ext cx="0" cy="0"/>
+          <a:chOff x="0" y="0"/>
+          <a:chExt cx="0" cy="0"/>
+        </a:xfrm>
+      </p:grpSpPr>
+      <p:sp>
+        <p:nvSpPr>
+          <p:cNvPr id="2" name="Title 1">
+            <a:extLst>
+              <a:ext uri="{FF2B5EF4-FFF2-40B4-BE49-F238E27FC236}">
+                <a16:creationId xmlns:a16="http://schemas.microsoft.com/office/drawing/2014/main" id="{29F42C1A-EA70-3346-ADF6-846CB2C92C35}"/>
               </a:ext>
             </a:extLst>
           </p:cNvPr>
@@ -11360,17 +12469,428 @@
             <a:spLocks noGrp="1"/>
           </p:cNvSpPr>
           <p:nvPr>
-            <p:ph idx="1"/>
+            <p:ph type="title"/>
           </p:nvPr>
         </p:nvSpPr>
         <p:spPr>
           <a:xfrm>
-            <a:off x="262467" y="1334559"/>
-            <a:ext cx="10515600" cy="4351338"/>
+            <a:off x="262467" y="229658"/>
+            <a:ext cx="10515600" cy="429103"/>
           </a:xfrm>
         </p:spPr>
         <p:txBody>
-          <a:bodyPr/>
+          <a:bodyPr>
+            <a:noAutofit/>
+          </a:bodyPr>
+          <a:lstStyle/>
+          <a:p>
+            <a:r>
+              <a:rPr lang="en-US" sz="3000" b="1" dirty="0">
+                <a:solidFill>
+                  <a:schemeClr val="tx1"/>
+                </a:solidFill>
+              </a:rPr>
+              <a:t>Regressing unemployment rate against suicide mortality</a:t>
+            </a:r>
+          </a:p>
+        </p:txBody>
+      </p:sp>
+      <p:pic>
+        <p:nvPicPr>
+          <p:cNvPr id="5" name="Content Placeholder 4">
+            <a:extLst>
+              <a:ext uri="{FF2B5EF4-FFF2-40B4-BE49-F238E27FC236}">
+                <a16:creationId xmlns:a16="http://schemas.microsoft.com/office/drawing/2014/main" id="{12169DEA-D313-4C2E-A54B-BF9B9A40F76C}"/>
+              </a:ext>
+            </a:extLst>
+          </p:cNvPr>
+          <p:cNvPicPr>
+            <a:picLocks noGrp="1" noChangeAspect="1"/>
+          </p:cNvPicPr>
+          <p:nvPr>
+            <p:ph idx="1"/>
+          </p:nvPr>
+        </p:nvPicPr>
+        <p:blipFill>
+          <a:blip r:embed="rId2"/>
+          <a:stretch>
+            <a:fillRect/>
+          </a:stretch>
+        </p:blipFill>
+        <p:spPr>
+          <a:xfrm>
+            <a:off x="369093" y="2642718"/>
+            <a:ext cx="11408446" cy="3646481"/>
+          </a:xfrm>
+        </p:spPr>
+      </p:pic>
+      <p:graphicFrame>
+        <p:nvGraphicFramePr>
+          <p:cNvPr id="6" name="Table 5">
+            <a:extLst>
+              <a:ext uri="{FF2B5EF4-FFF2-40B4-BE49-F238E27FC236}">
+                <a16:creationId xmlns:a16="http://schemas.microsoft.com/office/drawing/2014/main" id="{05B1E1B5-523F-47BD-A938-AF56B0AC6D7E}"/>
+              </a:ext>
+            </a:extLst>
+          </p:cNvPr>
+          <p:cNvGraphicFramePr>
+            <a:graphicFrameLocks/>
+          </p:cNvGraphicFramePr>
+          <p:nvPr>
+            <p:extLst>
+              <p:ext uri="{D42A27DB-BD31-4B8C-83A1-F6EECF244321}">
+                <p14:modId xmlns:p14="http://schemas.microsoft.com/office/powerpoint/2010/main" val="4108660292"/>
+              </p:ext>
+            </p:extLst>
+          </p:nvPr>
+        </p:nvGraphicFramePr>
+        <p:xfrm>
+          <a:off x="565607" y="1192059"/>
+          <a:ext cx="11211930" cy="1214740"/>
+        </p:xfrm>
+        <a:graphic>
+          <a:graphicData uri="http://schemas.openxmlformats.org/drawingml/2006/table">
+            <a:tbl>
+              <a:tblPr firstRow="1" bandRow="1">
+                <a:tableStyleId>{D113A9D2-9D6B-4929-AA2D-F23B5EE8CBE7}</a:tableStyleId>
+              </a:tblPr>
+              <a:tblGrid>
+                <a:gridCol w="2242386">
+                  <a:extLst>
+                    <a:ext uri="{9D8B030D-6E8A-4147-A177-3AD203B41FA5}">
+                      <a16:colId xmlns:a16="http://schemas.microsoft.com/office/drawing/2014/main" val="6736470"/>
+                    </a:ext>
+                  </a:extLst>
+                </a:gridCol>
+                <a:gridCol w="2242386">
+                  <a:extLst>
+                    <a:ext uri="{9D8B030D-6E8A-4147-A177-3AD203B41FA5}">
+                      <a16:colId xmlns:a16="http://schemas.microsoft.com/office/drawing/2014/main" val="1841359124"/>
+                    </a:ext>
+                  </a:extLst>
+                </a:gridCol>
+                <a:gridCol w="2242386">
+                  <a:extLst>
+                    <a:ext uri="{9D8B030D-6E8A-4147-A177-3AD203B41FA5}">
+                      <a16:colId xmlns:a16="http://schemas.microsoft.com/office/drawing/2014/main" val="2419452790"/>
+                    </a:ext>
+                  </a:extLst>
+                </a:gridCol>
+                <a:gridCol w="2242386">
+                  <a:extLst>
+                    <a:ext uri="{9D8B030D-6E8A-4147-A177-3AD203B41FA5}">
+                      <a16:colId xmlns:a16="http://schemas.microsoft.com/office/drawing/2014/main" val="4130579839"/>
+                    </a:ext>
+                  </a:extLst>
+                </a:gridCol>
+                <a:gridCol w="2242386">
+                  <a:extLst>
+                    <a:ext uri="{9D8B030D-6E8A-4147-A177-3AD203B41FA5}">
+                      <a16:colId xmlns:a16="http://schemas.microsoft.com/office/drawing/2014/main" val="2646439775"/>
+                    </a:ext>
+                  </a:extLst>
+                </a:gridCol>
+              </a:tblGrid>
+              <a:tr h="373766">
+                <a:tc>
+                  <a:txBody>
+                    <a:bodyPr/>
+                    <a:lstStyle/>
+                    <a:p>
+                      <a:pPr algn="ctr"/>
+                      <a:r>
+                        <a:rPr lang="en-US" dirty="0"/>
+                        <a:t>Variable</a:t>
+                      </a:r>
+                    </a:p>
+                  </a:txBody>
+                  <a:tcPr/>
+                </a:tc>
+                <a:tc>
+                  <a:txBody>
+                    <a:bodyPr/>
+                    <a:lstStyle/>
+                    <a:p>
+                      <a:pPr algn="ctr"/>
+                      <a:r>
+                        <a:rPr lang="en-US" dirty="0"/>
+                        <a:t>Coefficient</a:t>
+                      </a:r>
+                    </a:p>
+                  </a:txBody>
+                  <a:tcPr/>
+                </a:tc>
+                <a:tc>
+                  <a:txBody>
+                    <a:bodyPr/>
+                    <a:lstStyle/>
+                    <a:p>
+                      <a:pPr algn="ctr"/>
+                      <a:r>
+                        <a:rPr lang="en-US" dirty="0"/>
+                        <a:t>Standard Error</a:t>
+                      </a:r>
+                    </a:p>
+                  </a:txBody>
+                  <a:tcPr/>
+                </a:tc>
+                <a:tc>
+                  <a:txBody>
+                    <a:bodyPr/>
+                    <a:lstStyle/>
+                    <a:p>
+                      <a:pPr algn="ctr"/>
+                      <a:r>
+                        <a:rPr lang="en-US" dirty="0"/>
+                        <a:t>t - value</a:t>
+                      </a:r>
+                    </a:p>
+                  </a:txBody>
+                  <a:tcPr/>
+                </a:tc>
+                <a:tc>
+                  <a:txBody>
+                    <a:bodyPr/>
+                    <a:lstStyle/>
+                    <a:p>
+                      <a:pPr algn="ctr"/>
+                      <a:r>
+                        <a:rPr lang="en-US" dirty="0"/>
+                        <a:t>p - value</a:t>
+                      </a:r>
+                    </a:p>
+                  </a:txBody>
+                  <a:tcPr/>
+                </a:tc>
+                <a:extLst>
+                  <a:ext uri="{0D108BD9-81ED-4DB2-BD59-A6C34878D82A}">
+                    <a16:rowId xmlns:a16="http://schemas.microsoft.com/office/drawing/2014/main" val="3451917090"/>
+                  </a:ext>
+                </a:extLst>
+              </a:tr>
+              <a:tr h="311472">
+                <a:tc>
+                  <a:txBody>
+                    <a:bodyPr/>
+                    <a:lstStyle/>
+                    <a:p>
+                      <a:pPr algn="ctr"/>
+                      <a:r>
+                        <a:rPr lang="en-US" sz="1400" dirty="0"/>
+                        <a:t>Unemployment</a:t>
+                      </a:r>
+                    </a:p>
+                  </a:txBody>
+                  <a:tcPr/>
+                </a:tc>
+                <a:tc>
+                  <a:txBody>
+                    <a:bodyPr/>
+                    <a:lstStyle/>
+                    <a:p>
+                      <a:pPr algn="ctr"/>
+                      <a:r>
+                        <a:rPr lang="en-US" sz="1400" dirty="0"/>
+                        <a:t>0.35</a:t>
+                      </a:r>
+                    </a:p>
+                  </a:txBody>
+                  <a:tcPr anchor="ctr"/>
+                </a:tc>
+                <a:tc>
+                  <a:txBody>
+                    <a:bodyPr/>
+                    <a:lstStyle/>
+                    <a:p>
+                      <a:pPr algn="ctr"/>
+                      <a:r>
+                        <a:rPr lang="en-US" sz="1400" dirty="0"/>
+                        <a:t>0.12</a:t>
+                      </a:r>
+                    </a:p>
+                  </a:txBody>
+                  <a:tcPr anchor="ctr"/>
+                </a:tc>
+                <a:tc>
+                  <a:txBody>
+                    <a:bodyPr/>
+                    <a:lstStyle/>
+                    <a:p>
+                      <a:pPr algn="ctr"/>
+                      <a:r>
+                        <a:rPr lang="en-US" sz="1400" dirty="0"/>
+                        <a:t>3.01</a:t>
+                      </a:r>
+                    </a:p>
+                  </a:txBody>
+                  <a:tcPr anchor="ctr"/>
+                </a:tc>
+                <a:tc>
+                  <a:txBody>
+                    <a:bodyPr/>
+                    <a:lstStyle/>
+                    <a:p>
+                      <a:pPr algn="ctr"/>
+                      <a:r>
+                        <a:rPr lang="en-US" sz="1400" dirty="0"/>
+                        <a:t>0.003</a:t>
+                      </a:r>
+                    </a:p>
+                  </a:txBody>
+                  <a:tcPr anchor="ctr"/>
+                </a:tc>
+                <a:extLst>
+                  <a:ext uri="{0D108BD9-81ED-4DB2-BD59-A6C34878D82A}">
+                    <a16:rowId xmlns:a16="http://schemas.microsoft.com/office/drawing/2014/main" val="1703117611"/>
+                  </a:ext>
+                </a:extLst>
+              </a:tr>
+              <a:tr h="529502">
+                <a:tc>
+                  <a:txBody>
+                    <a:bodyPr/>
+                    <a:lstStyle/>
+                    <a:p>
+                      <a:pPr algn="ctr"/>
+                      <a:r>
+                        <a:rPr lang="en-US" sz="1400" dirty="0"/>
+                        <a:t>Intercept</a:t>
+                      </a:r>
+                    </a:p>
+                  </a:txBody>
+                  <a:tcPr/>
+                </a:tc>
+                <a:tc>
+                  <a:txBody>
+                    <a:bodyPr/>
+                    <a:lstStyle/>
+                    <a:p>
+                      <a:pPr algn="ctr"/>
+                      <a:r>
+                        <a:rPr lang="en-US" sz="1400" dirty="0"/>
+                        <a:t>6.92</a:t>
+                      </a:r>
+                    </a:p>
+                  </a:txBody>
+                  <a:tcPr anchor="ctr"/>
+                </a:tc>
+                <a:tc>
+                  <a:txBody>
+                    <a:bodyPr/>
+                    <a:lstStyle/>
+                    <a:p>
+                      <a:pPr algn="ctr"/>
+                      <a:r>
+                        <a:rPr lang="en-US" sz="1400" dirty="0"/>
+                        <a:t>0.99</a:t>
+                      </a:r>
+                    </a:p>
+                  </a:txBody>
+                  <a:tcPr anchor="ctr"/>
+                </a:tc>
+                <a:tc>
+                  <a:txBody>
+                    <a:bodyPr/>
+                    <a:lstStyle/>
+                    <a:p>
+                      <a:pPr algn="ctr"/>
+                      <a:r>
+                        <a:rPr lang="en-US" sz="1400" dirty="0"/>
+                        <a:t>6.99</a:t>
+                      </a:r>
+                    </a:p>
+                  </a:txBody>
+                  <a:tcPr anchor="ctr"/>
+                </a:tc>
+                <a:tc>
+                  <a:txBody>
+                    <a:bodyPr/>
+                    <a:lstStyle/>
+                    <a:p>
+                      <a:pPr algn="ctr"/>
+                      <a:r>
+                        <a:rPr lang="en-US" sz="1400" dirty="0"/>
+                        <a:t>6.023581633485264E-11</a:t>
+                      </a:r>
+                    </a:p>
+                  </a:txBody>
+                  <a:tcPr anchor="ctr"/>
+                </a:tc>
+                <a:extLst>
+                  <a:ext uri="{0D108BD9-81ED-4DB2-BD59-A6C34878D82A}">
+                    <a16:rowId xmlns:a16="http://schemas.microsoft.com/office/drawing/2014/main" val="1131649808"/>
+                  </a:ext>
+                </a:extLst>
+              </a:tr>
+            </a:tbl>
+          </a:graphicData>
+        </a:graphic>
+      </p:graphicFrame>
+      <p:sp>
+        <p:nvSpPr>
+          <p:cNvPr id="8" name="TextBox 7">
+            <a:extLst>
+              <a:ext uri="{FF2B5EF4-FFF2-40B4-BE49-F238E27FC236}">
+                <a16:creationId xmlns:a16="http://schemas.microsoft.com/office/drawing/2014/main" id="{8945AECC-1D43-4AD0-A3FD-F66A02F89404}"/>
+              </a:ext>
+            </a:extLst>
+          </p:cNvPr>
+          <p:cNvSpPr txBox="1"/>
+          <p:nvPr/>
+        </p:nvSpPr>
+        <p:spPr>
+          <a:xfrm>
+            <a:off x="565607" y="740744"/>
+            <a:ext cx="10939277" cy="369332"/>
+          </a:xfrm>
+          <a:prstGeom prst="rect">
+            <a:avLst/>
+          </a:prstGeom>
+          <a:noFill/>
+        </p:spPr>
+        <p:txBody>
+          <a:bodyPr wrap="square" rtlCol="0">
+            <a:spAutoFit/>
+          </a:bodyPr>
+          <a:lstStyle/>
+          <a:p>
+            <a:r>
+              <a:rPr lang="en-US" dirty="0"/>
+              <a:t>Level – Level Regression (Regress suicide rate on unemployment rate) [R-squared : 0.0505] </a:t>
+            </a:r>
+          </a:p>
+        </p:txBody>
+      </p:sp>
+      <p:sp>
+        <p:nvSpPr>
+          <p:cNvPr id="9" name="TextBox 8">
+            <a:extLst>
+              <a:ext uri="{FF2B5EF4-FFF2-40B4-BE49-F238E27FC236}">
+                <a16:creationId xmlns:a16="http://schemas.microsoft.com/office/drawing/2014/main" id="{7DC3E5D0-1F26-4B7A-B65F-6FFC345ADC70}"/>
+              </a:ext>
+            </a:extLst>
+          </p:cNvPr>
+          <p:cNvSpPr txBox="1"/>
+          <p:nvPr/>
+        </p:nvSpPr>
+        <p:spPr>
+          <a:xfrm>
+            <a:off x="0" y="6334812"/>
+            <a:ext cx="12192000" cy="523188"/>
+          </a:xfrm>
+          <a:prstGeom prst="rect">
+            <a:avLst/>
+          </a:prstGeom>
+          <a:solidFill>
+            <a:schemeClr val="accent1">
+              <a:lumMod val="50000"/>
+            </a:schemeClr>
+          </a:solidFill>
+        </p:spPr>
+        <p:txBody>
+          <a:bodyPr wrap="square" rtlCol="0">
+            <a:spAutoFit/>
+          </a:bodyPr>
           <a:lstStyle/>
           <a:p>
             <a:endParaRPr lang="en-US" dirty="0"/>
@@ -11380,7 +12900,109 @@
     </p:spTree>
     <p:extLst>
       <p:ext uri="{BB962C8B-B14F-4D97-AF65-F5344CB8AC3E}">
-        <p14:creationId xmlns:p14="http://schemas.microsoft.com/office/powerpoint/2010/main" val="2675694895"/>
+        <p14:creationId xmlns:p14="http://schemas.microsoft.com/office/powerpoint/2010/main" val="3391784039"/>
+      </p:ext>
+    </p:extLst>
+  </p:cSld>
+  <p:clrMapOvr>
+    <a:masterClrMapping/>
+  </p:clrMapOvr>
+</p:sld>
+</file>
+
+<file path=ppt/slides/slide9.xml><?xml version="1.0" encoding="utf-8"?>
+<p:sld xmlns:a="http://schemas.openxmlformats.org/drawingml/2006/main" xmlns:r="http://schemas.openxmlformats.org/officeDocument/2006/relationships" xmlns:p="http://schemas.openxmlformats.org/presentationml/2006/main">
+  <p:cSld>
+    <p:spTree>
+      <p:nvGrpSpPr>
+        <p:cNvPr id="1" name=""/>
+        <p:cNvGrpSpPr/>
+        <p:nvPr/>
+      </p:nvGrpSpPr>
+      <p:grpSpPr>
+        <a:xfrm>
+          <a:off x="0" y="0"/>
+          <a:ext cx="0" cy="0"/>
+          <a:chOff x="0" y="0"/>
+          <a:chExt cx="0" cy="0"/>
+        </a:xfrm>
+      </p:grpSpPr>
+      <p:sp>
+        <p:nvSpPr>
+          <p:cNvPr id="4" name="TextBox 3">
+            <a:extLst>
+              <a:ext uri="{FF2B5EF4-FFF2-40B4-BE49-F238E27FC236}">
+                <a16:creationId xmlns:a16="http://schemas.microsoft.com/office/drawing/2014/main" id="{1BA8F83D-4251-4C38-87ED-8AEC6B2C978A}"/>
+              </a:ext>
+            </a:extLst>
+          </p:cNvPr>
+          <p:cNvSpPr txBox="1"/>
+          <p:nvPr/>
+        </p:nvSpPr>
+        <p:spPr>
+          <a:xfrm>
+            <a:off x="1216058" y="2565529"/>
+            <a:ext cx="9935851" cy="830997"/>
+          </a:xfrm>
+          <a:prstGeom prst="rect">
+            <a:avLst/>
+          </a:prstGeom>
+          <a:noFill/>
+        </p:spPr>
+        <p:txBody>
+          <a:bodyPr wrap="square" rtlCol="0">
+            <a:spAutoFit/>
+          </a:bodyPr>
+          <a:lstStyle/>
+          <a:p>
+            <a:pPr algn="ctr"/>
+            <a:r>
+              <a:rPr lang="en-US" sz="4800" dirty="0"/>
+              <a:t>Any Questions?</a:t>
+            </a:r>
+          </a:p>
+        </p:txBody>
+      </p:sp>
+      <p:sp>
+        <p:nvSpPr>
+          <p:cNvPr id="7" name="TextBox 6">
+            <a:extLst>
+              <a:ext uri="{FF2B5EF4-FFF2-40B4-BE49-F238E27FC236}">
+                <a16:creationId xmlns:a16="http://schemas.microsoft.com/office/drawing/2014/main" id="{051B400F-B7B5-4408-8F44-4D818D6977AE}"/>
+              </a:ext>
+            </a:extLst>
+          </p:cNvPr>
+          <p:cNvSpPr txBox="1"/>
+          <p:nvPr/>
+        </p:nvSpPr>
+        <p:spPr>
+          <a:xfrm>
+            <a:off x="0" y="6334812"/>
+            <a:ext cx="12192000" cy="523188"/>
+          </a:xfrm>
+          <a:prstGeom prst="rect">
+            <a:avLst/>
+          </a:prstGeom>
+          <a:solidFill>
+            <a:schemeClr val="accent1">
+              <a:lumMod val="50000"/>
+            </a:schemeClr>
+          </a:solidFill>
+        </p:spPr>
+        <p:txBody>
+          <a:bodyPr wrap="square" rtlCol="0">
+            <a:spAutoFit/>
+          </a:bodyPr>
+          <a:lstStyle/>
+          <a:p>
+            <a:endParaRPr lang="en-US" dirty="0"/>
+          </a:p>
+        </p:txBody>
+      </p:sp>
+    </p:spTree>
+    <p:extLst>
+      <p:ext uri="{BB962C8B-B14F-4D97-AF65-F5344CB8AC3E}">
+        <p14:creationId xmlns:p14="http://schemas.microsoft.com/office/powerpoint/2010/main" val="2817042346"/>
       </p:ext>
     </p:extLst>
   </p:cSld>
@@ -11683,4 +13305,299 @@
     </a:ext>
   </a:extLst>
 </a:theme>
+</file>
+
+<file path=ppt/theme/theme2.xml><?xml version="1.0" encoding="utf-8"?>
+<a:theme xmlns:a="http://schemas.openxmlformats.org/drawingml/2006/main" name="Office Theme">
+  <a:themeElements>
+    <a:clrScheme name="Office">
+      <a:dk1>
+        <a:sysClr val="windowText" lastClr="000000"/>
+      </a:dk1>
+      <a:lt1>
+        <a:sysClr val="window" lastClr="FFFFFF"/>
+      </a:lt1>
+      <a:dk2>
+        <a:srgbClr val="44546A"/>
+      </a:dk2>
+      <a:lt2>
+        <a:srgbClr val="E7E6E6"/>
+      </a:lt2>
+      <a:accent1>
+        <a:srgbClr val="4472C4"/>
+      </a:accent1>
+      <a:accent2>
+        <a:srgbClr val="ED7D31"/>
+      </a:accent2>
+      <a:accent3>
+        <a:srgbClr val="A5A5A5"/>
+      </a:accent3>
+      <a:accent4>
+        <a:srgbClr val="FFC000"/>
+      </a:accent4>
+      <a:accent5>
+        <a:srgbClr val="5B9BD5"/>
+      </a:accent5>
+      <a:accent6>
+        <a:srgbClr val="70AD47"/>
+      </a:accent6>
+      <a:hlink>
+        <a:srgbClr val="0563C1"/>
+      </a:hlink>
+      <a:folHlink>
+        <a:srgbClr val="954F72"/>
+      </a:folHlink>
+    </a:clrScheme>
+    <a:fontScheme name="Office">
+      <a:majorFont>
+        <a:latin typeface="Calibri Light" panose="020F0302020204030204"/>
+        <a:ea typeface=""/>
+        <a:cs typeface=""/>
+        <a:font script="Jpan" typeface="游ゴシック Light"/>
+        <a:font script="Hang" typeface="맑은 고딕"/>
+        <a:font script="Hans" typeface="等线 Light"/>
+        <a:font script="Hant" typeface="新細明體"/>
+        <a:font script="Arab" typeface="Times New Roman"/>
+        <a:font script="Hebr" typeface="Times New Roman"/>
+        <a:font script="Thai" typeface="Angsana New"/>
+        <a:font script="Ethi" typeface="Nyala"/>
+        <a:font script="Beng" typeface="Vrinda"/>
+        <a:font script="Gujr" typeface="Shruti"/>
+        <a:font script="Khmr" typeface="MoolBoran"/>
+        <a:font script="Knda" typeface="Tunga"/>
+        <a:font script="Guru" typeface="Raavi"/>
+        <a:font script="Cans" typeface="Euphemia"/>
+        <a:font script="Cher" typeface="Plantagenet Cherokee"/>
+        <a:font script="Yiii" typeface="Microsoft Yi Baiti"/>
+        <a:font script="Tibt" typeface="Microsoft Himalaya"/>
+        <a:font script="Thaa" typeface="MV Boli"/>
+        <a:font script="Deva" typeface="Mangal"/>
+        <a:font script="Telu" typeface="Gautami"/>
+        <a:font script="Taml" typeface="Latha"/>
+        <a:font script="Syrc" typeface="Estrangelo Edessa"/>
+        <a:font script="Orya" typeface="Kalinga"/>
+        <a:font script="Mlym" typeface="Kartika"/>
+        <a:font script="Laoo" typeface="DokChampa"/>
+        <a:font script="Sinh" typeface="Iskoola Pota"/>
+        <a:font script="Mong" typeface="Mongolian Baiti"/>
+        <a:font script="Viet" typeface="Times New Roman"/>
+        <a:font script="Uigh" typeface="Microsoft Uighur"/>
+        <a:font script="Geor" typeface="Sylfaen"/>
+        <a:font script="Armn" typeface="Arial"/>
+        <a:font script="Bugi" typeface="Leelawadee UI"/>
+        <a:font script="Bopo" typeface="Microsoft JhengHei"/>
+        <a:font script="Java" typeface="Javanese Text"/>
+        <a:font script="Lisu" typeface="Segoe UI"/>
+        <a:font script="Mymr" typeface="Myanmar Text"/>
+        <a:font script="Nkoo" typeface="Ebrima"/>
+        <a:font script="Olck" typeface="Nirmala UI"/>
+        <a:font script="Osma" typeface="Ebrima"/>
+        <a:font script="Phag" typeface="Phagspa"/>
+        <a:font script="Syrn" typeface="Estrangelo Edessa"/>
+        <a:font script="Syrj" typeface="Estrangelo Edessa"/>
+        <a:font script="Syre" typeface="Estrangelo Edessa"/>
+        <a:font script="Sora" typeface="Nirmala UI"/>
+        <a:font script="Tale" typeface="Microsoft Tai Le"/>
+        <a:font script="Talu" typeface="Microsoft New Tai Lue"/>
+        <a:font script="Tfng" typeface="Ebrima"/>
+      </a:majorFont>
+      <a:minorFont>
+        <a:latin typeface="Calibri" panose="020F0502020204030204"/>
+        <a:ea typeface=""/>
+        <a:cs typeface=""/>
+        <a:font script="Jpan" typeface="游ゴシック"/>
+        <a:font script="Hang" typeface="맑은 고딕"/>
+        <a:font script="Hans" typeface="等线"/>
+        <a:font script="Hant" typeface="新細明體"/>
+        <a:font script="Arab" typeface="Arial"/>
+        <a:font script="Hebr" typeface="Arial"/>
+        <a:font script="Thai" typeface="Cordia New"/>
+        <a:font script="Ethi" typeface="Nyala"/>
+        <a:font script="Beng" typeface="Vrinda"/>
+        <a:font script="Gujr" typeface="Shruti"/>
+        <a:font script="Khmr" typeface="DaunPenh"/>
+        <a:font script="Knda" typeface="Tunga"/>
+        <a:font script="Guru" typeface="Raavi"/>
+        <a:font script="Cans" typeface="Euphemia"/>
+        <a:font script="Cher" typeface="Plantagenet Cherokee"/>
+        <a:font script="Yiii" typeface="Microsoft Yi Baiti"/>
+        <a:font script="Tibt" typeface="Microsoft Himalaya"/>
+        <a:font script="Thaa" typeface="MV Boli"/>
+        <a:font script="Deva" typeface="Mangal"/>
+        <a:font script="Telu" typeface="Gautami"/>
+        <a:font script="Taml" typeface="Latha"/>
+        <a:font script="Syrc" typeface="Estrangelo Edessa"/>
+        <a:font script="Orya" typeface="Kalinga"/>
+        <a:font script="Mlym" typeface="Kartika"/>
+        <a:font script="Laoo" typeface="DokChampa"/>
+        <a:font script="Sinh" typeface="Iskoola Pota"/>
+        <a:font script="Mong" typeface="Mongolian Baiti"/>
+        <a:font script="Viet" typeface="Arial"/>
+        <a:font script="Uigh" typeface="Microsoft Uighur"/>
+        <a:font script="Geor" typeface="Sylfaen"/>
+        <a:font script="Armn" typeface="Arial"/>
+        <a:font script="Bugi" typeface="Leelawadee UI"/>
+        <a:font script="Bopo" typeface="Microsoft JhengHei"/>
+        <a:font script="Java" typeface="Javanese Text"/>
+        <a:font script="Lisu" typeface="Segoe UI"/>
+        <a:font script="Mymr" typeface="Myanmar Text"/>
+        <a:font script="Nkoo" typeface="Ebrima"/>
+        <a:font script="Olck" typeface="Nirmala UI"/>
+        <a:font script="Osma" typeface="Ebrima"/>
+        <a:font script="Phag" typeface="Phagspa"/>
+        <a:font script="Syrn" typeface="Estrangelo Edessa"/>
+        <a:font script="Syrj" typeface="Estrangelo Edessa"/>
+        <a:font script="Syre" typeface="Estrangelo Edessa"/>
+        <a:font script="Sora" typeface="Nirmala UI"/>
+        <a:font script="Tale" typeface="Microsoft Tai Le"/>
+        <a:font script="Talu" typeface="Microsoft New Tai Lue"/>
+        <a:font script="Tfng" typeface="Ebrima"/>
+      </a:minorFont>
+    </a:fontScheme>
+    <a:fmtScheme name="Office">
+      <a:fillStyleLst>
+        <a:solidFill>
+          <a:schemeClr val="phClr"/>
+        </a:solidFill>
+        <a:gradFill rotWithShape="1">
+          <a:gsLst>
+            <a:gs pos="0">
+              <a:schemeClr val="phClr">
+                <a:lumMod val="110000"/>
+                <a:satMod val="105000"/>
+                <a:tint val="67000"/>
+              </a:schemeClr>
+            </a:gs>
+            <a:gs pos="50000">
+              <a:schemeClr val="phClr">
+                <a:lumMod val="105000"/>
+                <a:satMod val="103000"/>
+                <a:tint val="73000"/>
+              </a:schemeClr>
+            </a:gs>
+            <a:gs pos="100000">
+              <a:schemeClr val="phClr">
+                <a:lumMod val="105000"/>
+                <a:satMod val="109000"/>
+                <a:tint val="81000"/>
+              </a:schemeClr>
+            </a:gs>
+          </a:gsLst>
+          <a:lin ang="5400000" scaled="0"/>
+        </a:gradFill>
+        <a:gradFill rotWithShape="1">
+          <a:gsLst>
+            <a:gs pos="0">
+              <a:schemeClr val="phClr">
+                <a:satMod val="103000"/>
+                <a:lumMod val="102000"/>
+                <a:tint val="94000"/>
+              </a:schemeClr>
+            </a:gs>
+            <a:gs pos="50000">
+              <a:schemeClr val="phClr">
+                <a:satMod val="110000"/>
+                <a:lumMod val="100000"/>
+                <a:shade val="100000"/>
+              </a:schemeClr>
+            </a:gs>
+            <a:gs pos="100000">
+              <a:schemeClr val="phClr">
+                <a:lumMod val="99000"/>
+                <a:satMod val="120000"/>
+                <a:shade val="78000"/>
+              </a:schemeClr>
+            </a:gs>
+          </a:gsLst>
+          <a:lin ang="5400000" scaled="0"/>
+        </a:gradFill>
+      </a:fillStyleLst>
+      <a:lnStyleLst>
+        <a:ln w="6350" cap="flat" cmpd="sng" algn="ctr">
+          <a:solidFill>
+            <a:schemeClr val="phClr"/>
+          </a:solidFill>
+          <a:prstDash val="solid"/>
+          <a:miter lim="800000"/>
+        </a:ln>
+        <a:ln w="12700" cap="flat" cmpd="sng" algn="ctr">
+          <a:solidFill>
+            <a:schemeClr val="phClr"/>
+          </a:solidFill>
+          <a:prstDash val="solid"/>
+          <a:miter lim="800000"/>
+        </a:ln>
+        <a:ln w="19050" cap="flat" cmpd="sng" algn="ctr">
+          <a:solidFill>
+            <a:schemeClr val="phClr"/>
+          </a:solidFill>
+          <a:prstDash val="solid"/>
+          <a:miter lim="800000"/>
+        </a:ln>
+      </a:lnStyleLst>
+      <a:effectStyleLst>
+        <a:effectStyle>
+          <a:effectLst/>
+        </a:effectStyle>
+        <a:effectStyle>
+          <a:effectLst/>
+        </a:effectStyle>
+        <a:effectStyle>
+          <a:effectLst>
+            <a:outerShdw blurRad="57150" dist="19050" dir="5400000" algn="ctr" rotWithShape="0">
+              <a:srgbClr val="000000">
+                <a:alpha val="63000"/>
+              </a:srgbClr>
+            </a:outerShdw>
+          </a:effectLst>
+        </a:effectStyle>
+      </a:effectStyleLst>
+      <a:bgFillStyleLst>
+        <a:solidFill>
+          <a:schemeClr val="phClr"/>
+        </a:solidFill>
+        <a:solidFill>
+          <a:schemeClr val="phClr">
+            <a:tint val="95000"/>
+            <a:satMod val="170000"/>
+          </a:schemeClr>
+        </a:solidFill>
+        <a:gradFill rotWithShape="1">
+          <a:gsLst>
+            <a:gs pos="0">
+              <a:schemeClr val="phClr">
+                <a:tint val="93000"/>
+                <a:satMod val="150000"/>
+                <a:shade val="98000"/>
+                <a:lumMod val="102000"/>
+              </a:schemeClr>
+            </a:gs>
+            <a:gs pos="50000">
+              <a:schemeClr val="phClr">
+                <a:tint val="98000"/>
+                <a:satMod val="130000"/>
+                <a:shade val="90000"/>
+                <a:lumMod val="103000"/>
+              </a:schemeClr>
+            </a:gs>
+            <a:gs pos="100000">
+              <a:schemeClr val="phClr">
+                <a:shade val="63000"/>
+                <a:satMod val="120000"/>
+              </a:schemeClr>
+            </a:gs>
+          </a:gsLst>
+          <a:lin ang="5400000" scaled="0"/>
+        </a:gradFill>
+      </a:bgFillStyleLst>
+    </a:fmtScheme>
+  </a:themeElements>
+  <a:objectDefaults/>
+  <a:extraClrSchemeLst/>
+  <a:extLst>
+    <a:ext uri="{05A4C25C-085E-4340-85A3-A5531E510DB2}">
+      <thm15:themeFamily xmlns:thm15="http://schemas.microsoft.com/office/thememl/2012/main" name="Office Theme" id="{62F939B6-93AF-4DB8-9C6B-D6C7DFDC589F}" vid="{4A3C46E8-61CC-4603-A589-7422A47A8E4A}"/>
+    </a:ext>
+  </a:extLst>
+</a:theme>
 </file>
--- a/DE Term Project/DE_TermProject2_Presentation.pptx
+++ b/DE Term Project/DE_TermProject2_Presentation.pptx
@@ -1633,7 +1633,11 @@
     </dgm:pt>
     <dgm:pt modelId="{26030C1E-CA21-FA4F-A497-097465F0E258}">
       <dgm:prSet phldrT="[Text]" custT="1"/>
-      <dgm:spPr/>
+      <dgm:spPr>
+        <a:solidFill>
+          <a:srgbClr val="002060"/>
+        </a:solidFill>
+      </dgm:spPr>
       <dgm:t>
         <a:bodyPr/>
         <a:lstStyle/>
@@ -1668,11 +1672,11 @@
           </a:r>
           <a:r>
             <a:rPr lang="en-US" sz="1800" b="0" dirty="0"/>
-            <a:t>Exploring the a</a:t>
+            <a:t>Exploring the relationship</a:t>
           </a:r>
           <a:r>
             <a:rPr lang="en-US" sz="1800" dirty="0"/>
-            <a:t>ssociation between suicides rates and the GDP per capita as well as the unemployment rate in a country</a:t>
+            <a:t> between suicides rates and the GDP per capita as well as the unemployment rate in a country</a:t>
           </a:r>
         </a:p>
       </dgm:t>
@@ -1701,7 +1705,11 @@
     </dgm:pt>
     <dgm:pt modelId="{89C0C769-31D8-D844-B810-6B153E50884D}">
       <dgm:prSet phldrT="[Text]" custT="1"/>
-      <dgm:spPr/>
+      <dgm:spPr>
+        <a:solidFill>
+          <a:srgbClr val="002060"/>
+        </a:solidFill>
+      </dgm:spPr>
       <dgm:t>
         <a:bodyPr/>
         <a:lstStyle/>
@@ -1815,7 +1823,11 @@
     </dgm:pt>
     <dgm:pt modelId="{BA2C96C7-8163-474D-AF30-4E3CE4C55C0D}">
       <dgm:prSet phldrT="[Text]" custT="1"/>
-      <dgm:spPr/>
+      <dgm:spPr>
+        <a:solidFill>
+          <a:srgbClr val="002060"/>
+        </a:solidFill>
+      </dgm:spPr>
       <dgm:t>
         <a:bodyPr/>
         <a:lstStyle/>
@@ -1892,7 +1904,11 @@
     </dgm:pt>
     <dgm:pt modelId="{9C8AAEEF-A87F-AB4F-B68D-30E6EA0D4068}">
       <dgm:prSet custT="1"/>
-      <dgm:spPr/>
+      <dgm:spPr>
+        <a:solidFill>
+          <a:srgbClr val="002060"/>
+        </a:solidFill>
+      </dgm:spPr>
       <dgm:t>
         <a:bodyPr/>
         <a:lstStyle/>
@@ -2056,7 +2072,11 @@
     </dgm:pt>
     <dgm:pt modelId="{D8FE06A5-4BBF-AB4D-BF30-CBCC0A8EED71}">
       <dgm:prSet phldrT="[Text]" custT="1"/>
-      <dgm:spPr/>
+      <dgm:spPr>
+        <a:solidFill>
+          <a:srgbClr val="002060"/>
+        </a:solidFill>
+      </dgm:spPr>
       <dgm:t>
         <a:bodyPr/>
         <a:lstStyle/>
@@ -2067,7 +2087,7 @@
           </a:pPr>
           <a:r>
             <a:rPr lang="en-US" sz="2000" dirty="0"/>
-            <a:t>Download suicides </a:t>
+            <a:t>Downloaded suicides </a:t>
           </a:r>
           <a:r>
             <a:rPr lang="en-US" sz="2000" dirty="0">
@@ -2124,7 +2144,11 @@
     </dgm:pt>
     <dgm:pt modelId="{45412DD0-779D-8C4D-822F-3E8B179A576B}">
       <dgm:prSet phldrT="[Text]"/>
-      <dgm:spPr/>
+      <dgm:spPr>
+        <a:solidFill>
+          <a:srgbClr val="002060"/>
+        </a:solidFill>
+      </dgm:spPr>
       <dgm:t>
         <a:bodyPr/>
         <a:lstStyle/>
@@ -2163,7 +2187,11 @@
     </dgm:pt>
     <dgm:pt modelId="{9A128E1B-F717-B64B-8C57-4EDAB8DCF502}">
       <dgm:prSet phldrT="[Text]"/>
-      <dgm:spPr/>
+      <dgm:spPr>
+        <a:solidFill>
+          <a:srgbClr val="002060"/>
+        </a:solidFill>
+      </dgm:spPr>
       <dgm:t>
         <a:bodyPr/>
         <a:lstStyle/>
@@ -2202,7 +2230,11 @@
     </dgm:pt>
     <dgm:pt modelId="{708C99EF-801A-8747-8DC0-3ED1D32D75EC}">
       <dgm:prSet/>
-      <dgm:spPr/>
+      <dgm:spPr>
+        <a:solidFill>
+          <a:srgbClr val="002060"/>
+        </a:solidFill>
+      </dgm:spPr>
       <dgm:t>
         <a:bodyPr/>
         <a:lstStyle/>
@@ -2238,14 +2270,18 @@
     </dgm:pt>
     <dgm:pt modelId="{98D27D7A-7FAB-434F-8393-CB870AE97E11}">
       <dgm:prSet/>
-      <dgm:spPr/>
+      <dgm:spPr>
+        <a:solidFill>
+          <a:srgbClr val="002060"/>
+        </a:solidFill>
+      </dgm:spPr>
       <dgm:t>
         <a:bodyPr/>
         <a:lstStyle/>
         <a:p>
           <a:r>
             <a:rPr lang="en-US" dirty="0"/>
-            <a:t>Export data into </a:t>
+            <a:t>Exported data into </a:t>
           </a:r>
           <a:r>
             <a:rPr lang="en-US" i="1" dirty="0" err="1"/>
@@ -2434,12 +2470,7 @@
           </a:avLst>
         </a:prstGeom>
         <a:solidFill>
-          <a:schemeClr val="accent1">
-            <a:hueOff val="0"/>
-            <a:satOff val="0"/>
-            <a:lumOff val="0"/>
-            <a:alphaOff val="0"/>
-          </a:schemeClr>
+          <a:srgbClr val="002060"/>
         </a:solidFill>
         <a:ln w="12700" cap="flat" cmpd="sng" algn="ctr">
           <a:solidFill>
@@ -2541,11 +2572,11 @@
           </a:r>
           <a:r>
             <a:rPr lang="en-US" sz="1800" b="0" kern="1200" dirty="0"/>
-            <a:t>Exploring the a</a:t>
+            <a:t>Exploring the relationship</a:t>
           </a:r>
           <a:r>
             <a:rPr lang="en-US" sz="1800" kern="1200" dirty="0"/>
-            <a:t>ssociation between suicides rates and the GDP per capita as well as the unemployment rate in a country</a:t>
+            <a:t> between suicides rates and the GDP per capita as well as the unemployment rate in a country</a:t>
           </a:r>
         </a:p>
       </dsp:txBody>
@@ -2640,12 +2671,7 @@
           </a:avLst>
         </a:prstGeom>
         <a:solidFill>
-          <a:schemeClr val="accent1">
-            <a:hueOff val="0"/>
-            <a:satOff val="0"/>
-            <a:lumOff val="0"/>
-            <a:alphaOff val="0"/>
-          </a:schemeClr>
+          <a:srgbClr val="002060"/>
         </a:solidFill>
         <a:ln w="12700" cap="flat" cmpd="sng" algn="ctr">
           <a:solidFill>
@@ -2922,12 +2948,7 @@
           </a:avLst>
         </a:prstGeom>
         <a:solidFill>
-          <a:schemeClr val="accent1">
-            <a:hueOff val="0"/>
-            <a:satOff val="0"/>
-            <a:lumOff val="0"/>
-            <a:alphaOff val="0"/>
-          </a:schemeClr>
+          <a:srgbClr val="002060"/>
         </a:solidFill>
         <a:ln w="12700" cap="flat" cmpd="sng" algn="ctr">
           <a:solidFill>
@@ -3137,12 +3158,7 @@
           </a:avLst>
         </a:prstGeom>
         <a:solidFill>
-          <a:schemeClr val="accent1">
-            <a:hueOff val="0"/>
-            <a:satOff val="0"/>
-            <a:lumOff val="0"/>
-            <a:alphaOff val="0"/>
-          </a:schemeClr>
+          <a:srgbClr val="002060"/>
         </a:solidFill>
         <a:ln w="12700" cap="flat" cmpd="sng" algn="ctr">
           <a:solidFill>
@@ -3283,12 +3299,7 @@
           </a:avLst>
         </a:prstGeom>
         <a:solidFill>
-          <a:schemeClr val="accent1">
-            <a:hueOff val="0"/>
-            <a:satOff val="0"/>
-            <a:lumOff val="0"/>
-            <a:alphaOff val="0"/>
-          </a:schemeClr>
+          <a:srgbClr val="002060"/>
         </a:solidFill>
         <a:ln w="12700" cap="flat" cmpd="sng" algn="ctr">
           <a:solidFill>
@@ -3339,7 +3350,7 @@
           </a:pPr>
           <a:r>
             <a:rPr lang="en-US" sz="2000" kern="1200" dirty="0"/>
-            <a:t>Download suicides </a:t>
+            <a:t>Downloaded suicides </a:t>
           </a:r>
           <a:r>
             <a:rPr lang="en-US" sz="2000" kern="1200" dirty="0">
@@ -3462,12 +3473,7 @@
           </a:avLst>
         </a:prstGeom>
         <a:solidFill>
-          <a:schemeClr val="accent1">
-            <a:hueOff val="0"/>
-            <a:satOff val="0"/>
-            <a:lumOff val="0"/>
-            <a:alphaOff val="0"/>
-          </a:schemeClr>
+          <a:srgbClr val="002060"/>
         </a:solidFill>
         <a:ln w="12700" cap="flat" cmpd="sng" algn="ctr">
           <a:solidFill>
@@ -3612,12 +3618,7 @@
           </a:avLst>
         </a:prstGeom>
         <a:solidFill>
-          <a:schemeClr val="accent1">
-            <a:hueOff val="0"/>
-            <a:satOff val="0"/>
-            <a:lumOff val="0"/>
-            <a:alphaOff val="0"/>
-          </a:schemeClr>
+          <a:srgbClr val="002060"/>
         </a:solidFill>
         <a:ln w="12700" cap="flat" cmpd="sng" algn="ctr">
           <a:solidFill>
@@ -3762,12 +3763,7 @@
           </a:avLst>
         </a:prstGeom>
         <a:solidFill>
-          <a:schemeClr val="accent1">
-            <a:hueOff val="0"/>
-            <a:satOff val="0"/>
-            <a:lumOff val="0"/>
-            <a:alphaOff val="0"/>
-          </a:schemeClr>
+          <a:srgbClr val="002060"/>
         </a:solidFill>
         <a:ln w="12700" cap="flat" cmpd="sng" algn="ctr">
           <a:solidFill>
@@ -3912,12 +3908,7 @@
           </a:avLst>
         </a:prstGeom>
         <a:solidFill>
-          <a:schemeClr val="accent1">
-            <a:hueOff val="0"/>
-            <a:satOff val="0"/>
-            <a:lumOff val="0"/>
-            <a:alphaOff val="0"/>
-          </a:schemeClr>
+          <a:srgbClr val="002060"/>
         </a:solidFill>
         <a:ln w="12700" cap="flat" cmpd="sng" algn="ctr">
           <a:solidFill>
@@ -3967,7 +3958,7 @@
           </a:pPr>
           <a:r>
             <a:rPr lang="en-US" sz="2000" kern="1200" dirty="0"/>
-            <a:t>Export data into </a:t>
+            <a:t>Exported data into </a:t>
           </a:r>
           <a:r>
             <a:rPr lang="en-US" sz="2000" i="1" kern="1200" dirty="0" err="1"/>
@@ -10230,7 +10221,7 @@
           <p:nvPr>
             <p:extLst>
               <p:ext uri="{D42A27DB-BD31-4B8C-83A1-F6EECF244321}">
-                <p14:modId xmlns:p14="http://schemas.microsoft.com/office/powerpoint/2010/main" val="3505894803"/>
+                <p14:modId xmlns:p14="http://schemas.microsoft.com/office/powerpoint/2010/main" val="1800870727"/>
               </p:ext>
             </p:extLst>
           </p:nvPr>
@@ -10406,7 +10397,7 @@
           <p:nvPr>
             <p:extLst>
               <p:ext uri="{D42A27DB-BD31-4B8C-83A1-F6EECF244321}">
-                <p14:modId xmlns:p14="http://schemas.microsoft.com/office/powerpoint/2010/main" val="1048363204"/>
+                <p14:modId xmlns:p14="http://schemas.microsoft.com/office/powerpoint/2010/main" val="65876185"/>
               </p:ext>
             </p:extLst>
           </p:nvPr>
@@ -11323,7 +11314,7 @@
         </p:nvSpPr>
         <p:spPr>
           <a:xfrm>
-            <a:off x="128694" y="1238325"/>
+            <a:off x="128694" y="1049788"/>
             <a:ext cx="956734" cy="369332"/>
           </a:xfrm>
           <a:prstGeom prst="rect">
@@ -11362,7 +11353,7 @@
         </p:nvSpPr>
         <p:spPr>
           <a:xfrm>
-            <a:off x="1841321" y="1128918"/>
+            <a:off x="1841321" y="1006367"/>
             <a:ext cx="1524847" cy="646331"/>
           </a:xfrm>
           <a:prstGeom prst="rect">
@@ -12067,14 +12058,14 @@
           <p:nvPr>
             <p:extLst>
               <p:ext uri="{D42A27DB-BD31-4B8C-83A1-F6EECF244321}">
-                <p14:modId xmlns:p14="http://schemas.microsoft.com/office/powerpoint/2010/main" val="1956525359"/>
+                <p14:modId xmlns:p14="http://schemas.microsoft.com/office/powerpoint/2010/main" val="3779227017"/>
               </p:ext>
             </p:extLst>
           </p:nvPr>
         </p:nvGraphicFramePr>
         <p:xfrm>
-          <a:off x="580966" y="986692"/>
-          <a:ext cx="10904067" cy="1112520"/>
+          <a:off x="423894" y="986692"/>
+          <a:ext cx="11061140" cy="1112520"/>
         </p:xfrm>
         <a:graphic>
           <a:graphicData uri="http://schemas.openxmlformats.org/drawingml/2006/table">
@@ -12083,35 +12074,35 @@
                 <a:tableStyleId>{D113A9D2-9D6B-4929-AA2D-F23B5EE8CBE7}</a:tableStyleId>
               </a:tblPr>
               <a:tblGrid>
-                <a:gridCol w="2196674">
+                <a:gridCol w="2228317">
                   <a:extLst>
                     <a:ext uri="{9D8B030D-6E8A-4147-A177-3AD203B41FA5}">
                       <a16:colId xmlns:a16="http://schemas.microsoft.com/office/drawing/2014/main" val="6736470"/>
                     </a:ext>
                   </a:extLst>
                 </a:gridCol>
-                <a:gridCol w="2196674">
+                <a:gridCol w="2228317">
                   <a:extLst>
                     <a:ext uri="{9D8B030D-6E8A-4147-A177-3AD203B41FA5}">
                       <a16:colId xmlns:a16="http://schemas.microsoft.com/office/drawing/2014/main" val="1841359124"/>
                     </a:ext>
                   </a:extLst>
                 </a:gridCol>
-                <a:gridCol w="2196674">
+                <a:gridCol w="2228317">
                   <a:extLst>
                     <a:ext uri="{9D8B030D-6E8A-4147-A177-3AD203B41FA5}">
                       <a16:colId xmlns:a16="http://schemas.microsoft.com/office/drawing/2014/main" val="2419452790"/>
                     </a:ext>
                   </a:extLst>
                 </a:gridCol>
-                <a:gridCol w="2196674">
+                <a:gridCol w="2228317">
                   <a:extLst>
                     <a:ext uri="{9D8B030D-6E8A-4147-A177-3AD203B41FA5}">
                       <a16:colId xmlns:a16="http://schemas.microsoft.com/office/drawing/2014/main" val="4130579839"/>
                     </a:ext>
                   </a:extLst>
                 </a:gridCol>
-                <a:gridCol w="2117371">
+                <a:gridCol w="2147872">
                   <a:extLst>
                     <a:ext uri="{9D8B030D-6E8A-4147-A177-3AD203B41FA5}">
                       <a16:colId xmlns:a16="http://schemas.microsoft.com/office/drawing/2014/main" val="2646439775"/>
@@ -12132,7 +12123,11 @@
                       </a:r>
                     </a:p>
                   </a:txBody>
-                  <a:tcPr/>
+                  <a:tcPr>
+                    <a:solidFill>
+                      <a:srgbClr val="002060"/>
+                    </a:solidFill>
+                  </a:tcPr>
                 </a:tc>
                 <a:tc>
                   <a:txBody>
@@ -12146,7 +12141,11 @@
                       </a:r>
                     </a:p>
                   </a:txBody>
-                  <a:tcPr/>
+                  <a:tcPr>
+                    <a:solidFill>
+                      <a:srgbClr val="002060"/>
+                    </a:solidFill>
+                  </a:tcPr>
                 </a:tc>
                 <a:tc>
                   <a:txBody>
@@ -12160,7 +12159,11 @@
                       </a:r>
                     </a:p>
                   </a:txBody>
-                  <a:tcPr/>
+                  <a:tcPr>
+                    <a:solidFill>
+                      <a:srgbClr val="002060"/>
+                    </a:solidFill>
+                  </a:tcPr>
                 </a:tc>
                 <a:tc>
                   <a:txBody>
@@ -12174,7 +12177,11 @@
                       </a:r>
                     </a:p>
                   </a:txBody>
-                  <a:tcPr/>
+                  <a:tcPr>
+                    <a:solidFill>
+                      <a:srgbClr val="002060"/>
+                    </a:solidFill>
+                  </a:tcPr>
                 </a:tc>
                 <a:tc>
                   <a:txBody>
@@ -12188,7 +12195,11 @@
                       </a:r>
                     </a:p>
                   </a:txBody>
-                  <a:tcPr/>
+                  <a:tcPr>
+                    <a:solidFill>
+                      <a:srgbClr val="002060"/>
+                    </a:solidFill>
+                  </a:tcPr>
                 </a:tc>
                 <a:extLst>
                   <a:ext uri="{0D108BD9-81ED-4DB2-BD59-A6C34878D82A}">
@@ -12210,7 +12221,11 @@
                       <a:endParaRPr lang="en-US" sz="1400" dirty="0"/>
                     </a:p>
                   </a:txBody>
-                  <a:tcPr/>
+                  <a:tcPr>
+                    <a:solidFill>
+                      <a:srgbClr val="002060"/>
+                    </a:solidFill>
+                  </a:tcPr>
                 </a:tc>
                 <a:tc>
                   <a:txBody>
@@ -12224,7 +12239,11 @@
                       </a:r>
                     </a:p>
                   </a:txBody>
-                  <a:tcPr anchor="ctr"/>
+                  <a:tcPr anchor="ctr">
+                    <a:solidFill>
+                      <a:srgbClr val="002060"/>
+                    </a:solidFill>
+                  </a:tcPr>
                 </a:tc>
                 <a:tc>
                   <a:txBody>
@@ -12238,7 +12257,11 @@
                       </a:r>
                     </a:p>
                   </a:txBody>
-                  <a:tcPr anchor="ctr"/>
+                  <a:tcPr anchor="ctr">
+                    <a:solidFill>
+                      <a:srgbClr val="002060"/>
+                    </a:solidFill>
+                  </a:tcPr>
                 </a:tc>
                 <a:tc>
                   <a:txBody>
@@ -12252,7 +12275,11 @@
                       </a:r>
                     </a:p>
                   </a:txBody>
-                  <a:tcPr anchor="ctr"/>
+                  <a:tcPr anchor="ctr">
+                    <a:solidFill>
+                      <a:srgbClr val="002060"/>
+                    </a:solidFill>
+                  </a:tcPr>
                 </a:tc>
                 <a:tc>
                   <a:txBody>
@@ -12266,7 +12293,11 @@
                       </a:r>
                     </a:p>
                   </a:txBody>
-                  <a:tcPr anchor="ctr"/>
+                  <a:tcPr anchor="ctr">
+                    <a:solidFill>
+                      <a:srgbClr val="002060"/>
+                    </a:solidFill>
+                  </a:tcPr>
                 </a:tc>
                 <a:extLst>
                   <a:ext uri="{0D108BD9-81ED-4DB2-BD59-A6C34878D82A}">
@@ -12287,7 +12318,11 @@
                       </a:r>
                     </a:p>
                   </a:txBody>
-                  <a:tcPr/>
+                  <a:tcPr>
+                    <a:solidFill>
+                      <a:srgbClr val="002060"/>
+                    </a:solidFill>
+                  </a:tcPr>
                 </a:tc>
                 <a:tc>
                   <a:txBody>
@@ -12301,7 +12336,11 @@
                       </a:r>
                     </a:p>
                   </a:txBody>
-                  <a:tcPr anchor="ctr"/>
+                  <a:tcPr anchor="ctr">
+                    <a:solidFill>
+                      <a:srgbClr val="002060"/>
+                    </a:solidFill>
+                  </a:tcPr>
                 </a:tc>
                 <a:tc>
                   <a:txBody>
@@ -12315,7 +12354,11 @@
                       </a:r>
                     </a:p>
                   </a:txBody>
-                  <a:tcPr anchor="ctr"/>
+                  <a:tcPr anchor="ctr">
+                    <a:solidFill>
+                      <a:srgbClr val="002060"/>
+                    </a:solidFill>
+                  </a:tcPr>
                 </a:tc>
                 <a:tc>
                   <a:txBody>
@@ -12329,7 +12372,11 @@
                       </a:r>
                     </a:p>
                   </a:txBody>
-                  <a:tcPr anchor="ctr"/>
+                  <a:tcPr anchor="ctr">
+                    <a:solidFill>
+                      <a:srgbClr val="002060"/>
+                    </a:solidFill>
+                  </a:tcPr>
                 </a:tc>
                 <a:tc>
                   <a:txBody>
@@ -12343,7 +12390,11 @@
                       </a:r>
                     </a:p>
                   </a:txBody>
-                  <a:tcPr anchor="ctr"/>
+                  <a:tcPr anchor="ctr">
+                    <a:solidFill>
+                      <a:srgbClr val="002060"/>
+                    </a:solidFill>
+                  </a:tcPr>
                 </a:tc>
                 <a:extLst>
                   <a:ext uri="{0D108BD9-81ED-4DB2-BD59-A6C34878D82A}">
@@ -12369,8 +12420,8 @@
         </p:nvSpPr>
         <p:spPr>
           <a:xfrm>
-            <a:off x="549897" y="629769"/>
-            <a:ext cx="11061138" cy="369332"/>
+            <a:off x="423894" y="629769"/>
+            <a:ext cx="11187141" cy="369332"/>
           </a:xfrm>
           <a:prstGeom prst="rect">
             <a:avLst/>
@@ -12539,14 +12590,14 @@
           <p:nvPr>
             <p:extLst>
               <p:ext uri="{D42A27DB-BD31-4B8C-83A1-F6EECF244321}">
-                <p14:modId xmlns:p14="http://schemas.microsoft.com/office/powerpoint/2010/main" val="4108660292"/>
+                <p14:modId xmlns:p14="http://schemas.microsoft.com/office/powerpoint/2010/main" val="4079535689"/>
               </p:ext>
             </p:extLst>
           </p:nvPr>
         </p:nvGraphicFramePr>
         <p:xfrm>
-          <a:off x="565607" y="1192059"/>
-          <a:ext cx="11211930" cy="1214740"/>
+          <a:off x="369091" y="1192059"/>
+          <a:ext cx="11408445" cy="1214740"/>
         </p:xfrm>
         <a:graphic>
           <a:graphicData uri="http://schemas.openxmlformats.org/drawingml/2006/table">
@@ -12555,35 +12606,35 @@
                 <a:tableStyleId>{D113A9D2-9D6B-4929-AA2D-F23B5EE8CBE7}</a:tableStyleId>
               </a:tblPr>
               <a:tblGrid>
-                <a:gridCol w="2242386">
+                <a:gridCol w="2281689">
                   <a:extLst>
                     <a:ext uri="{9D8B030D-6E8A-4147-A177-3AD203B41FA5}">
                       <a16:colId xmlns:a16="http://schemas.microsoft.com/office/drawing/2014/main" val="6736470"/>
                     </a:ext>
                   </a:extLst>
                 </a:gridCol>
-                <a:gridCol w="2242386">
+                <a:gridCol w="2281689">
                   <a:extLst>
                     <a:ext uri="{9D8B030D-6E8A-4147-A177-3AD203B41FA5}">
                       <a16:colId xmlns:a16="http://schemas.microsoft.com/office/drawing/2014/main" val="1841359124"/>
                     </a:ext>
                   </a:extLst>
                 </a:gridCol>
-                <a:gridCol w="2242386">
+                <a:gridCol w="2281689">
                   <a:extLst>
                     <a:ext uri="{9D8B030D-6E8A-4147-A177-3AD203B41FA5}">
                       <a16:colId xmlns:a16="http://schemas.microsoft.com/office/drawing/2014/main" val="2419452790"/>
                     </a:ext>
                   </a:extLst>
                 </a:gridCol>
-                <a:gridCol w="2242386">
+                <a:gridCol w="2281689">
                   <a:extLst>
                     <a:ext uri="{9D8B030D-6E8A-4147-A177-3AD203B41FA5}">
                       <a16:colId xmlns:a16="http://schemas.microsoft.com/office/drawing/2014/main" val="4130579839"/>
                     </a:ext>
                   </a:extLst>
                 </a:gridCol>
-                <a:gridCol w="2242386">
+                <a:gridCol w="2281689">
                   <a:extLst>
                     <a:ext uri="{9D8B030D-6E8A-4147-A177-3AD203B41FA5}">
                       <a16:colId xmlns:a16="http://schemas.microsoft.com/office/drawing/2014/main" val="2646439775"/>
@@ -12604,7 +12655,11 @@
                       </a:r>
                     </a:p>
                   </a:txBody>
-                  <a:tcPr/>
+                  <a:tcPr>
+                    <a:solidFill>
+                      <a:srgbClr val="002060"/>
+                    </a:solidFill>
+                  </a:tcPr>
                 </a:tc>
                 <a:tc>
                   <a:txBody>
@@ -12618,7 +12673,11 @@
                       </a:r>
                     </a:p>
                   </a:txBody>
-                  <a:tcPr/>
+                  <a:tcPr>
+                    <a:solidFill>
+                      <a:srgbClr val="002060"/>
+                    </a:solidFill>
+                  </a:tcPr>
                 </a:tc>
                 <a:tc>
                   <a:txBody>
@@ -12632,7 +12691,11 @@
                       </a:r>
                     </a:p>
                   </a:txBody>
-                  <a:tcPr/>
+                  <a:tcPr>
+                    <a:solidFill>
+                      <a:srgbClr val="002060"/>
+                    </a:solidFill>
+                  </a:tcPr>
                 </a:tc>
                 <a:tc>
                   <a:txBody>
@@ -12646,7 +12709,11 @@
                       </a:r>
                     </a:p>
                   </a:txBody>
-                  <a:tcPr/>
+                  <a:tcPr>
+                    <a:solidFill>
+                      <a:srgbClr val="002060"/>
+                    </a:solidFill>
+                  </a:tcPr>
                 </a:tc>
                 <a:tc>
                   <a:txBody>
@@ -12660,7 +12727,11 @@
                       </a:r>
                     </a:p>
                   </a:txBody>
-                  <a:tcPr/>
+                  <a:tcPr>
+                    <a:solidFill>
+                      <a:srgbClr val="002060"/>
+                    </a:solidFill>
+                  </a:tcPr>
                 </a:tc>
                 <a:extLst>
                   <a:ext uri="{0D108BD9-81ED-4DB2-BD59-A6C34878D82A}">
@@ -12681,7 +12752,11 @@
                       </a:r>
                     </a:p>
                   </a:txBody>
-                  <a:tcPr/>
+                  <a:tcPr>
+                    <a:solidFill>
+                      <a:srgbClr val="002060"/>
+                    </a:solidFill>
+                  </a:tcPr>
                 </a:tc>
                 <a:tc>
                   <a:txBody>
@@ -12695,7 +12770,11 @@
                       </a:r>
                     </a:p>
                   </a:txBody>
-                  <a:tcPr anchor="ctr"/>
+                  <a:tcPr anchor="ctr">
+                    <a:solidFill>
+                      <a:srgbClr val="002060"/>
+                    </a:solidFill>
+                  </a:tcPr>
                 </a:tc>
                 <a:tc>
                   <a:txBody>
@@ -12709,7 +12788,11 @@
                       </a:r>
                     </a:p>
                   </a:txBody>
-                  <a:tcPr anchor="ctr"/>
+                  <a:tcPr anchor="ctr">
+                    <a:solidFill>
+                      <a:srgbClr val="002060"/>
+                    </a:solidFill>
+                  </a:tcPr>
                 </a:tc>
                 <a:tc>
                   <a:txBody>
@@ -12723,7 +12806,11 @@
                       </a:r>
                     </a:p>
                   </a:txBody>
-                  <a:tcPr anchor="ctr"/>
+                  <a:tcPr anchor="ctr">
+                    <a:solidFill>
+                      <a:srgbClr val="002060"/>
+                    </a:solidFill>
+                  </a:tcPr>
                 </a:tc>
                 <a:tc>
                   <a:txBody>
@@ -12737,7 +12824,11 @@
                       </a:r>
                     </a:p>
                   </a:txBody>
-                  <a:tcPr anchor="ctr"/>
+                  <a:tcPr anchor="ctr">
+                    <a:solidFill>
+                      <a:srgbClr val="002060"/>
+                    </a:solidFill>
+                  </a:tcPr>
                 </a:tc>
                 <a:extLst>
                   <a:ext uri="{0D108BD9-81ED-4DB2-BD59-A6C34878D82A}">
@@ -12758,7 +12849,11 @@
                       </a:r>
                     </a:p>
                   </a:txBody>
-                  <a:tcPr/>
+                  <a:tcPr>
+                    <a:solidFill>
+                      <a:srgbClr val="002060"/>
+                    </a:solidFill>
+                  </a:tcPr>
                 </a:tc>
                 <a:tc>
                   <a:txBody>
@@ -12772,7 +12867,11 @@
                       </a:r>
                     </a:p>
                   </a:txBody>
-                  <a:tcPr anchor="ctr"/>
+                  <a:tcPr anchor="ctr">
+                    <a:solidFill>
+                      <a:srgbClr val="002060"/>
+                    </a:solidFill>
+                  </a:tcPr>
                 </a:tc>
                 <a:tc>
                   <a:txBody>
@@ -12786,7 +12885,11 @@
                       </a:r>
                     </a:p>
                   </a:txBody>
-                  <a:tcPr anchor="ctr"/>
+                  <a:tcPr anchor="ctr">
+                    <a:solidFill>
+                      <a:srgbClr val="002060"/>
+                    </a:solidFill>
+                  </a:tcPr>
                 </a:tc>
                 <a:tc>
                   <a:txBody>
@@ -12800,7 +12903,11 @@
                       </a:r>
                     </a:p>
                   </a:txBody>
-                  <a:tcPr anchor="ctr"/>
+                  <a:tcPr anchor="ctr">
+                    <a:solidFill>
+                      <a:srgbClr val="002060"/>
+                    </a:solidFill>
+                  </a:tcPr>
                 </a:tc>
                 <a:tc>
                   <a:txBody>
@@ -12814,7 +12921,11 @@
                       </a:r>
                     </a:p>
                   </a:txBody>
-                  <a:tcPr anchor="ctr"/>
+                  <a:tcPr anchor="ctr">
+                    <a:solidFill>
+                      <a:srgbClr val="002060"/>
+                    </a:solidFill>
+                  </a:tcPr>
                 </a:tc>
                 <a:extLst>
                   <a:ext uri="{0D108BD9-81ED-4DB2-BD59-A6C34878D82A}">
@@ -12840,8 +12951,8 @@
         </p:nvSpPr>
         <p:spPr>
           <a:xfrm>
-            <a:off x="565607" y="740744"/>
-            <a:ext cx="10939277" cy="369332"/>
+            <a:off x="369091" y="740744"/>
+            <a:ext cx="11135793" cy="369332"/>
           </a:xfrm>
           <a:prstGeom prst="rect">
             <a:avLst/>
